--- a/Courses/Software-Sciences/Module-4-Information-Systems-New/12-Implementation-of-Information-System/12.1-Implementation-of-Information-System.pptx
+++ b/Courses/Software-Sciences/Module-4-Information-Systems-New/12-Implementation-of-Information-System/12.1-Implementation-of-Information-System.pptx
@@ -334,7 +334,7 @@
           <a:p>
             <a:fld id="{4E087215-0C8F-4762-A664-737A353EC9A4}" type="datetimeFigureOut">
               <a:rPr lang="bg-BG" smtClean="0"/>
-              <a:t>20.12.24 г.</a:t>
+              <a:t>27.12.24 г.</a:t>
             </a:fld>
             <a:endParaRPr lang="bg-BG"/>
           </a:p>
@@ -530,7 +530,7 @@
           <a:p>
             <a:fld id="{72D84649-876A-46C9-8472-14CB09C070D8}" type="datetimeFigureOut">
               <a:rPr lang="en-US" smtClean="0"/>
-              <a:t>12/20/24</a:t>
+              <a:t>12/27/24</a:t>
             </a:fld>
             <a:endParaRPr lang="en-US"/>
           </a:p>
@@ -12257,7 +12257,7 @@
         <p:spPr>
           <a:xfrm>
             <a:off x="190402" y="1196125"/>
-            <a:ext cx="7435598" cy="5528766"/>
+            <a:ext cx="8065598" cy="5528766"/>
           </a:xfrm>
         </p:spPr>
         <p:txBody>
@@ -12267,250 +12267,245 @@
           <a:lstStyle/>
           <a:p>
             <a:r>
+              <a:rPr lang="bg-BG" sz="3000" dirty="0"/>
+              <a:t>Тъй като </a:t>
+            </a:r>
+            <a:r>
+              <a:rPr lang="bg-BG" sz="3000" b="1" dirty="0"/>
+              <a:t>паролите</a:t>
+            </a:r>
+            <a:r>
+              <a:rPr lang="bg-BG" sz="3000" dirty="0"/>
+              <a:t> се </a:t>
+            </a:r>
+            <a:r>
+              <a:rPr lang="bg-BG" sz="3000" b="1" dirty="0"/>
+              <a:t>записват </a:t>
+            </a:r>
+            <a:r>
+              <a:rPr lang="bg-BG" sz="3000" b="1" dirty="0">
+                <a:solidFill>
+                  <a:schemeClr val="bg1"/>
+                </a:solidFill>
+              </a:rPr>
+              <a:t>хеширани</a:t>
+            </a:r>
+            <a:r>
+              <a:rPr lang="bg-BG" sz="3000" b="1" dirty="0"/>
+              <a:t> </a:t>
+            </a:r>
+            <a:r>
+              <a:rPr lang="bg-BG" sz="3000" dirty="0"/>
+              <a:t>в </a:t>
+            </a:r>
+            <a:r>
+              <a:rPr lang="bg-BG" sz="3000" b="1" dirty="0"/>
+              <a:t>БД</a:t>
+            </a:r>
+            <a:r>
+              <a:rPr lang="bg-BG" sz="3000" dirty="0"/>
+              <a:t>, е нужно е да </a:t>
+            </a:r>
+            <a:r>
+              <a:rPr lang="bg-BG" sz="3000" b="1" dirty="0">
+                <a:solidFill>
+                  <a:schemeClr val="bg1"/>
+                </a:solidFill>
+              </a:rPr>
+              <a:t>регистрираме потребител</a:t>
+            </a:r>
+          </a:p>
+          <a:p>
+            <a:r>
+              <a:rPr lang="bg-BG" sz="3000" dirty="0"/>
+              <a:t>Създаваме </a:t>
+            </a:r>
+            <a:r>
+              <a:rPr lang="bg-BG" sz="3000" b="1" dirty="0">
+                <a:solidFill>
+                  <a:schemeClr val="bg1"/>
+                </a:solidFill>
+              </a:rPr>
+              <a:t>форма за регистрация</a:t>
+            </a:r>
+          </a:p>
+          <a:p>
+            <a:r>
+              <a:rPr lang="bg-BG" sz="3000" dirty="0"/>
+              <a:t>Компоненти</a:t>
+            </a:r>
+          </a:p>
+          <a:p>
+            <a:pPr lvl="1"/>
+            <a:r>
+              <a:rPr lang="en-US" sz="2800" b="1" dirty="0">
+                <a:solidFill>
+                  <a:schemeClr val="bg1"/>
+                </a:solidFill>
+                <a:latin typeface="Consolas" panose="020B0609020204030204" pitchFamily="49" charset="0"/>
+                <a:cs typeface="Consolas" panose="020B0609020204030204" pitchFamily="49" charset="0"/>
+              </a:rPr>
+              <a:t>Label</a:t>
+            </a:r>
+            <a:r>
+              <a:rPr lang="en-US" sz="2800" dirty="0"/>
+              <a:t> - </a:t>
+            </a:r>
+            <a:r>
+              <a:rPr lang="bg-BG" sz="2800" b="1" dirty="0"/>
+              <a:t>име</a:t>
+            </a:r>
+            <a:r>
               <a:rPr lang="bg-BG" sz="2800" dirty="0"/>
-              <a:t>Тъй като </a:t>
+              <a:t>, </a:t>
             </a:r>
             <a:r>
               <a:rPr lang="bg-BG" sz="2800" b="1" dirty="0"/>
-              <a:t>паролите</a:t>
+              <a:t>фамилия</a:t>
             </a:r>
             <a:r>
               <a:rPr lang="bg-BG" sz="2800" dirty="0"/>
-              <a:t> се </a:t>
+              <a:t>, </a:t>
             </a:r>
             <a:r>
               <a:rPr lang="bg-BG" sz="2800" b="1" dirty="0"/>
-              <a:t>записват </a:t>
-            </a:r>
-            <a:r>
-              <a:rPr lang="bg-BG" sz="2800" b="1" dirty="0">
+              <a:t>телефон</a:t>
+            </a:r>
+            <a:r>
+              <a:rPr lang="bg-BG" sz="2800" dirty="0"/>
+              <a:t>, </a:t>
+            </a:r>
+            <a:r>
+              <a:rPr lang="bg-BG" sz="2800" b="1" dirty="0"/>
+              <a:t>имейл</a:t>
+            </a:r>
+            <a:r>
+              <a:rPr lang="bg-BG" sz="2800" dirty="0"/>
+              <a:t>, </a:t>
+            </a:r>
+            <a:r>
+              <a:rPr lang="bg-BG" sz="2800" b="1" dirty="0"/>
+              <a:t>потребителско име</a:t>
+            </a:r>
+            <a:r>
+              <a:rPr lang="bg-BG" sz="2800" dirty="0"/>
+              <a:t>, </a:t>
+            </a:r>
+            <a:r>
+              <a:rPr lang="bg-BG" sz="2800" b="1" dirty="0"/>
+              <a:t>парола</a:t>
+            </a:r>
+            <a:r>
+              <a:rPr lang="bg-BG" sz="2800" dirty="0"/>
+              <a:t>, </a:t>
+            </a:r>
+            <a:r>
+              <a:rPr lang="bg-BG" sz="2800" b="1" dirty="0"/>
+              <a:t>потвърди парола</a:t>
+            </a:r>
+          </a:p>
+          <a:p>
+            <a:pPr lvl="1"/>
+            <a:r>
+              <a:rPr lang="en-US" sz="2800" b="1" dirty="0">
                 <a:solidFill>
                   <a:schemeClr val="bg1"/>
                 </a:solidFill>
-              </a:rPr>
-              <a:t>хеширани</a:t>
+                <a:latin typeface="Consolas" panose="020B0609020204030204" pitchFamily="49" charset="0"/>
+                <a:cs typeface="Consolas" panose="020B0609020204030204" pitchFamily="49" charset="0"/>
+              </a:rPr>
+              <a:t>TextBox</a:t>
+            </a:r>
+            <a:r>
+              <a:rPr lang="en-US" sz="2800" dirty="0"/>
+              <a:t> - </a:t>
             </a:r>
             <a:r>
               <a:rPr lang="bg-BG" sz="2800" b="1" dirty="0"/>
+              <a:t>име</a:t>
+            </a:r>
+            <a:r>
+              <a:rPr lang="bg-BG" sz="2800" dirty="0"/>
+              <a:t>, </a:t>
+            </a:r>
+            <a:r>
+              <a:rPr lang="bg-BG" sz="2800" b="1" dirty="0"/>
+              <a:t>фамилия</a:t>
+            </a:r>
+            <a:r>
+              <a:rPr lang="bg-BG" sz="2800" dirty="0"/>
+              <a:t>, </a:t>
+            </a:r>
+            <a:r>
+              <a:rPr lang="bg-BG" sz="2800" b="1" dirty="0"/>
+              <a:t>телефон</a:t>
+            </a:r>
+            <a:r>
+              <a:rPr lang="bg-BG" sz="2800" dirty="0"/>
+              <a:t>, </a:t>
+            </a:r>
+            <a:r>
+              <a:rPr lang="bg-BG" sz="2800" b="1" dirty="0"/>
+              <a:t>имейл</a:t>
+            </a:r>
+            <a:r>
+              <a:rPr lang="bg-BG" sz="2800" dirty="0"/>
+              <a:t>, </a:t>
+            </a:r>
+            <a:r>
+              <a:rPr lang="bg-BG" sz="2800" b="1" dirty="0"/>
+              <a:t>потребителско име</a:t>
+            </a:r>
+            <a:r>
+              <a:rPr lang="bg-BG" sz="2800" dirty="0"/>
+              <a:t>, </a:t>
+            </a:r>
+            <a:r>
+              <a:rPr lang="bg-BG" sz="2800" b="1" dirty="0"/>
+              <a:t>парола</a:t>
+            </a:r>
+            <a:r>
+              <a:rPr lang="bg-BG" sz="2800" dirty="0"/>
+              <a:t>, </a:t>
+            </a:r>
+            <a:r>
+              <a:rPr lang="bg-BG" sz="2800" b="1" dirty="0"/>
+              <a:t>потвърди парола</a:t>
+            </a:r>
+          </a:p>
+          <a:p>
+            <a:pPr lvl="1"/>
+            <a:r>
+              <a:rPr lang="en-US" sz="2800" b="1" dirty="0">
+                <a:solidFill>
+                  <a:schemeClr val="bg1"/>
+                </a:solidFill>
+                <a:latin typeface="Consolas" panose="020B0609020204030204" pitchFamily="49" charset="0"/>
+                <a:cs typeface="Consolas" panose="020B0609020204030204" pitchFamily="49" charset="0"/>
+              </a:rPr>
+              <a:t>Button</a:t>
+            </a:r>
+            <a:r>
+              <a:rPr lang="en-US" sz="2800" dirty="0"/>
+              <a:t> -</a:t>
+            </a:r>
+            <a:r>
+              <a:rPr lang="bg-BG" sz="2800" dirty="0"/>
               <a:t> </a:t>
             </a:r>
             <a:r>
+              <a:rPr lang="bg-BG" sz="2800" b="1" dirty="0"/>
+              <a:t>регистрация</a:t>
+            </a:r>
+            <a:r>
               <a:rPr lang="bg-BG" sz="2800" dirty="0"/>
-              <a:t>в </a:t>
+              <a:t>,</a:t>
             </a:r>
             <a:r>
               <a:rPr lang="bg-BG" sz="2800" b="1" dirty="0"/>
-              <a:t>БД</a:t>
-            </a:r>
-            <a:r>
-              <a:rPr lang="bg-BG" sz="2800" dirty="0"/>
-              <a:t>, е нужно е да </a:t>
-            </a:r>
-            <a:r>
-              <a:rPr lang="bg-BG" sz="2800" b="1" dirty="0">
-                <a:solidFill>
-                  <a:schemeClr val="bg1"/>
-                </a:solidFill>
-              </a:rPr>
-              <a:t>регистрираме потребител</a:t>
-            </a:r>
-          </a:p>
-          <a:p>
-            <a:r>
-              <a:rPr lang="bg-BG" sz="2800" dirty="0"/>
-              <a:t>Създаваме </a:t>
-            </a:r>
-            <a:r>
-              <a:rPr lang="bg-BG" sz="2800" b="1" dirty="0"/>
-              <a:t>временна </a:t>
-            </a:r>
-            <a:r>
-              <a:rPr lang="bg-BG" sz="2800" b="1" dirty="0">
-                <a:solidFill>
-                  <a:schemeClr val="bg1"/>
-                </a:solidFill>
-              </a:rPr>
-              <a:t>форма за регистрация</a:t>
-            </a:r>
-          </a:p>
-          <a:p>
-            <a:r>
-              <a:rPr lang="bg-BG" sz="2800" dirty="0"/>
-              <a:t>Компоненти</a:t>
-            </a:r>
-            <a:endParaRPr lang="bg-BG" sz="3200" dirty="0"/>
-          </a:p>
-          <a:p>
-            <a:pPr lvl="1"/>
-            <a:r>
-              <a:rPr lang="en-US" sz="2600" b="1" dirty="0">
-                <a:solidFill>
-                  <a:schemeClr val="bg1"/>
-                </a:solidFill>
-                <a:latin typeface="Consolas" panose="020B0609020204030204" pitchFamily="49" charset="0"/>
-                <a:cs typeface="Consolas" panose="020B0609020204030204" pitchFamily="49" charset="0"/>
-              </a:rPr>
-              <a:t>Label</a:t>
-            </a:r>
-            <a:r>
-              <a:rPr lang="en-US" sz="2600" dirty="0"/>
-              <a:t> - </a:t>
-            </a:r>
-            <a:r>
-              <a:rPr lang="bg-BG" sz="2600" b="1" dirty="0"/>
-              <a:t>име</a:t>
-            </a:r>
-            <a:r>
-              <a:rPr lang="bg-BG" sz="2600" dirty="0"/>
-              <a:t>, </a:t>
-            </a:r>
-            <a:r>
-              <a:rPr lang="bg-BG" sz="2600" b="1" dirty="0"/>
-              <a:t>фамилия</a:t>
-            </a:r>
-            <a:r>
-              <a:rPr lang="bg-BG" sz="2600" dirty="0"/>
-              <a:t>, </a:t>
-            </a:r>
-            <a:r>
-              <a:rPr lang="bg-BG" sz="2600" b="1" dirty="0"/>
-              <a:t>телефон</a:t>
-            </a:r>
-            <a:r>
-              <a:rPr lang="bg-BG" sz="2600" dirty="0"/>
-              <a:t>, </a:t>
-            </a:r>
-            <a:r>
-              <a:rPr lang="bg-BG" sz="2600" b="1" dirty="0"/>
-              <a:t>имейл</a:t>
-            </a:r>
-            <a:r>
-              <a:rPr lang="bg-BG" sz="2600" dirty="0"/>
-              <a:t>, </a:t>
-            </a:r>
-            <a:r>
-              <a:rPr lang="bg-BG" sz="2600" b="1" dirty="0"/>
-              <a:t>потребителско име</a:t>
-            </a:r>
-            <a:r>
-              <a:rPr lang="bg-BG" sz="2600" dirty="0"/>
-              <a:t>, </a:t>
-            </a:r>
-            <a:r>
-              <a:rPr lang="bg-BG" sz="2600" b="1" dirty="0"/>
-              <a:t>парола</a:t>
-            </a:r>
-            <a:r>
-              <a:rPr lang="bg-BG" sz="2600" dirty="0"/>
-              <a:t>, </a:t>
-            </a:r>
-            <a:r>
-              <a:rPr lang="bg-BG" sz="2600" b="1" dirty="0"/>
-              <a:t>потвърди парола</a:t>
-            </a:r>
-          </a:p>
-          <a:p>
-            <a:pPr lvl="1"/>
-            <a:r>
-              <a:rPr lang="en-US" sz="2600" b="1" dirty="0">
-                <a:solidFill>
-                  <a:schemeClr val="bg1"/>
-                </a:solidFill>
-                <a:latin typeface="Consolas" panose="020B0609020204030204" pitchFamily="49" charset="0"/>
-                <a:cs typeface="Consolas" panose="020B0609020204030204" pitchFamily="49" charset="0"/>
-              </a:rPr>
-              <a:t>TextBox</a:t>
-            </a:r>
-            <a:r>
-              <a:rPr lang="en-US" sz="2600" dirty="0"/>
-              <a:t> - </a:t>
-            </a:r>
-            <a:r>
-              <a:rPr lang="bg-BG" sz="2600" b="1" dirty="0"/>
-              <a:t>име</a:t>
-            </a:r>
-            <a:r>
-              <a:rPr lang="bg-BG" sz="2600" dirty="0"/>
-              <a:t>, </a:t>
-            </a:r>
-            <a:r>
-              <a:rPr lang="bg-BG" sz="2600" b="1" dirty="0"/>
-              <a:t>фамилия</a:t>
-            </a:r>
-            <a:r>
-              <a:rPr lang="bg-BG" sz="2600" dirty="0"/>
-              <a:t>, </a:t>
-            </a:r>
-            <a:r>
-              <a:rPr lang="bg-BG" sz="2600" b="1" dirty="0"/>
-              <a:t>телефон</a:t>
-            </a:r>
-            <a:r>
-              <a:rPr lang="bg-BG" sz="2600" dirty="0"/>
-              <a:t>, </a:t>
-            </a:r>
-            <a:r>
-              <a:rPr lang="bg-BG" sz="2600" b="1" dirty="0"/>
-              <a:t>имейл</a:t>
-            </a:r>
-            <a:r>
-              <a:rPr lang="bg-BG" sz="2600" dirty="0"/>
-              <a:t>, </a:t>
-            </a:r>
-            <a:r>
-              <a:rPr lang="bg-BG" sz="2600" b="1" dirty="0"/>
-              <a:t>потребителско име</a:t>
-            </a:r>
-            <a:r>
-              <a:rPr lang="bg-BG" sz="2600" dirty="0"/>
-              <a:t>, </a:t>
-            </a:r>
-            <a:r>
-              <a:rPr lang="bg-BG" sz="2600" b="1" dirty="0"/>
-              <a:t>парола</a:t>
-            </a:r>
-            <a:r>
-              <a:rPr lang="bg-BG" sz="2600" dirty="0"/>
-              <a:t>, </a:t>
-            </a:r>
-            <a:r>
-              <a:rPr lang="bg-BG" sz="2600" b="1" dirty="0"/>
-              <a:t>потвърди парола</a:t>
-            </a:r>
-          </a:p>
-          <a:p>
-            <a:pPr lvl="1"/>
-            <a:r>
-              <a:rPr lang="en-US" sz="2600" b="1" dirty="0">
-                <a:solidFill>
-                  <a:schemeClr val="bg1"/>
-                </a:solidFill>
-                <a:latin typeface="Consolas" panose="020B0609020204030204" pitchFamily="49" charset="0"/>
-                <a:cs typeface="Consolas" panose="020B0609020204030204" pitchFamily="49" charset="0"/>
-              </a:rPr>
-              <a:t>Button</a:t>
-            </a:r>
-            <a:r>
-              <a:rPr lang="en-US" sz="2600" dirty="0"/>
-              <a:t> -</a:t>
-            </a:r>
-            <a:r>
-              <a:rPr lang="bg-BG" sz="2600" dirty="0"/>
-              <a:t> </a:t>
-            </a:r>
-            <a:r>
-              <a:rPr lang="bg-BG" sz="2600" b="1" dirty="0"/>
-              <a:t>регистрация</a:t>
-            </a:r>
-            <a:r>
-              <a:rPr lang="bg-BG" sz="2600" dirty="0"/>
-              <a:t>,</a:t>
-            </a:r>
-            <a:r>
-              <a:rPr lang="bg-BG" sz="2600" b="1" dirty="0"/>
               <a:t> отказ</a:t>
             </a:r>
-            <a:endParaRPr lang="bg-BG" sz="2600" dirty="0">
+            <a:endParaRPr lang="bg-BG" sz="2800" dirty="0">
               <a:solidFill>
                 <a:schemeClr val="bg1"/>
               </a:solidFill>
@@ -12583,8 +12578,8 @@
         </p:blipFill>
         <p:spPr>
           <a:xfrm>
-            <a:off x="7626335" y="1944000"/>
-            <a:ext cx="4375263" cy="3825000"/>
+            <a:off x="7779475" y="2259000"/>
+            <a:ext cx="4220842" cy="3690000"/>
           </a:xfrm>
           <a:prstGeom prst="rect">
             <a:avLst/>
@@ -14205,7 +14200,39 @@
                 <a:latin typeface="Consolas" panose="020B0609020204030204" pitchFamily="49" charset="0"/>
                 <a:cs typeface="Consolas" panose="020B0609020204030204" pitchFamily="49" charset="0"/>
               </a:rPr>
-              <a:t>Добавете проверки за съответствие на пароли и валиден телефонен номер (да е с дължина 10 цифри</a:t>
+              <a:t>Добавете проверки за съответствие на пароли и валиден </a:t>
+            </a:r>
+          </a:p>
+          <a:p>
+            <a:r>
+              <a:rPr lang="bg-BG" b="1" dirty="0">
+                <a:solidFill>
+                  <a:schemeClr val="accent2"/>
+                </a:solidFill>
+                <a:latin typeface="Consolas" panose="020B0609020204030204" pitchFamily="49" charset="0"/>
+                <a:cs typeface="Consolas" panose="020B0609020204030204" pitchFamily="49" charset="0"/>
+              </a:rPr>
+              <a:t>    </a:t>
+            </a:r>
+            <a:r>
+              <a:rPr lang="en-US" b="1" dirty="0">
+                <a:solidFill>
+                  <a:schemeClr val="accent2"/>
+                </a:solidFill>
+                <a:latin typeface="Consolas" panose="020B0609020204030204" pitchFamily="49" charset="0"/>
+                <a:cs typeface="Consolas" panose="020B0609020204030204" pitchFamily="49" charset="0"/>
+              </a:rPr>
+              <a:t>// </a:t>
+            </a:r>
+            <a:r>
+              <a:rPr lang="bg-BG" b="1" dirty="0">
+                <a:solidFill>
+                  <a:schemeClr val="accent2"/>
+                </a:solidFill>
+                <a:latin typeface="Consolas" panose="020B0609020204030204" pitchFamily="49" charset="0"/>
+                <a:cs typeface="Consolas" panose="020B0609020204030204" pitchFamily="49" charset="0"/>
+              </a:rPr>
+              <a:t>телефонен номер (да е с дължина 10 цифри</a:t>
             </a:r>
             <a:r>
               <a:rPr lang="en-US" b="1" dirty="0">
@@ -16461,11 +16488,11 @@
   <p:clrMapOvr>
     <a:masterClrMapping/>
   </p:clrMapOvr>
-  <mc:AlternateContent xmlns:mc="http://schemas.openxmlformats.org/markup-compatibility/2006">
-    <mc:Choice xmlns:p14="http://schemas.microsoft.com/office/powerpoint/2010/main" Requires="p14">
+  <mc:AlternateContent xmlns:mc="http://schemas.openxmlformats.org/markup-compatibility/2006" xmlns:p14="http://schemas.microsoft.com/office/powerpoint/2010/main">
+    <mc:Choice Requires="p14">
       <p:transition spd="slow" p14:dur="2000" advClick="0" advTm="5000"/>
     </mc:Choice>
-    <mc:Fallback>
+    <mc:Fallback xmlns="">
       <p:transition spd="slow" advClick="0" advTm="5000"/>
     </mc:Fallback>
   </mc:AlternateContent>
@@ -19341,7 +19368,7 @@
         <p:spPr>
           <a:xfrm>
             <a:off x="190406" y="1314000"/>
-            <a:ext cx="11562624" cy="4524315"/>
+            <a:ext cx="11562624" cy="5078313"/>
           </a:xfrm>
           <a:prstGeom prst="rect">
             <a:avLst/>
@@ -19369,7 +19396,7 @@
           <a:lstStyle/>
           <a:p>
             <a:r>
-              <a:rPr lang="en-GB" sz="1600" b="1" dirty="0">
+              <a:rPr lang="en-GB" b="1" dirty="0">
                 <a:effectLst/>
                 <a:latin typeface="Consolas" panose="020B0609020204030204" pitchFamily="49" charset="0"/>
                 <a:cs typeface="Consolas" panose="020B0609020204030204" pitchFamily="49" charset="0"/>
@@ -19379,7 +19406,7 @@
           </a:p>
           <a:p>
             <a:r>
-              <a:rPr lang="en-GB" sz="1600" b="1" dirty="0">
+              <a:rPr lang="en-GB" b="1" dirty="0">
                 <a:effectLst/>
                 <a:latin typeface="Consolas" panose="020B0609020204030204" pitchFamily="49" charset="0"/>
                 <a:cs typeface="Consolas" panose="020B0609020204030204" pitchFamily="49" charset="0"/>
@@ -19387,7 +19414,7 @@
               <a:t>    public static void </a:t>
             </a:r>
             <a:r>
-              <a:rPr lang="en-GB" sz="1600" b="1" dirty="0">
+              <a:rPr lang="en-GB" b="1" dirty="0">
                 <a:solidFill>
                   <a:schemeClr val="bg1"/>
                 </a:solidFill>
@@ -19398,7 +19425,7 @@
               <a:t>DeleteUser</a:t>
             </a:r>
             <a:r>
-              <a:rPr lang="en-GB" sz="1600" b="1" dirty="0">
+              <a:rPr lang="en-GB" b="1" dirty="0">
                 <a:effectLst/>
                 <a:latin typeface="Consolas" panose="020B0609020204030204" pitchFamily="49" charset="0"/>
                 <a:cs typeface="Consolas" panose="020B0609020204030204" pitchFamily="49" charset="0"/>
@@ -19408,7 +19435,7 @@
           </a:p>
           <a:p>
             <a:r>
-              <a:rPr lang="en-GB" sz="1600" b="1" dirty="0">
+              <a:rPr lang="en-GB" b="1" dirty="0">
                 <a:effectLst/>
                 <a:latin typeface="Consolas" panose="020B0609020204030204" pitchFamily="49" charset="0"/>
                 <a:cs typeface="Consolas" panose="020B0609020204030204" pitchFamily="49" charset="0"/>
@@ -19418,7 +19445,7 @@
           </a:p>
           <a:p>
             <a:r>
-              <a:rPr lang="en-GB" sz="1600" b="1" dirty="0">
+              <a:rPr lang="en-GB" b="1" dirty="0">
                 <a:effectLst/>
                 <a:latin typeface="Consolas" panose="020B0609020204030204" pitchFamily="49" charset="0"/>
                 <a:cs typeface="Consolas" panose="020B0609020204030204" pitchFamily="49" charset="0"/>
@@ -19428,7 +19455,7 @@
           </a:p>
           <a:p>
             <a:r>
-              <a:rPr lang="en-GB" sz="1600" b="1" dirty="0">
+              <a:rPr lang="en-GB" b="1" dirty="0">
                 <a:effectLst/>
                 <a:latin typeface="Consolas" panose="020B0609020204030204" pitchFamily="49" charset="0"/>
                 <a:cs typeface="Consolas" panose="020B0609020204030204" pitchFamily="49" charset="0"/>
@@ -19438,7 +19465,7 @@
           </a:p>
           <a:p>
             <a:r>
-              <a:rPr lang="en-GB" sz="1600" b="1" dirty="0">
+              <a:rPr lang="en-GB" b="1" dirty="0">
                 <a:effectLst/>
                 <a:latin typeface="Consolas" panose="020B0609020204030204" pitchFamily="49" charset="0"/>
                 <a:cs typeface="Consolas" panose="020B0609020204030204" pitchFamily="49" charset="0"/>
@@ -19446,7 +19473,7 @@
               <a:t>            dbContext.</a:t>
             </a:r>
             <a:r>
-              <a:rPr lang="en-GB" sz="1600" b="1" dirty="0">
+              <a:rPr lang="en-GB" b="1" dirty="0">
                 <a:solidFill>
                   <a:schemeClr val="bg1"/>
                 </a:solidFill>
@@ -19457,7 +19484,7 @@
               <a:t>Users</a:t>
             </a:r>
             <a:r>
-              <a:rPr lang="en-GB" sz="1600" b="1" dirty="0">
+              <a:rPr lang="en-GB" b="1" dirty="0">
                 <a:effectLst/>
                 <a:latin typeface="Consolas" panose="020B0609020204030204" pitchFamily="49" charset="0"/>
                 <a:cs typeface="Consolas" panose="020B0609020204030204" pitchFamily="49" charset="0"/>
@@ -19465,7 +19492,7 @@
               <a:t>.</a:t>
             </a:r>
             <a:r>
-              <a:rPr lang="en-GB" sz="1600" b="1" dirty="0">
+              <a:rPr lang="en-GB" b="1" dirty="0">
                 <a:solidFill>
                   <a:schemeClr val="bg1"/>
                 </a:solidFill>
@@ -19476,7 +19503,7 @@
               <a:t>Remove</a:t>
             </a:r>
             <a:r>
-              <a:rPr lang="en-GB" sz="1600" b="1" dirty="0">
+              <a:rPr lang="en-GB" b="1" dirty="0">
                 <a:effectLst/>
                 <a:latin typeface="Consolas" panose="020B0609020204030204" pitchFamily="49" charset="0"/>
                 <a:cs typeface="Consolas" panose="020B0609020204030204" pitchFamily="49" charset="0"/>
@@ -19484,7 +19511,7 @@
               <a:t>(</a:t>
             </a:r>
             <a:r>
-              <a:rPr lang="en-GB" sz="1600" b="1" dirty="0">
+              <a:rPr lang="en-GB" b="1" dirty="0">
                 <a:solidFill>
                   <a:schemeClr val="bg1"/>
                 </a:solidFill>
@@ -19495,7 +19522,7 @@
               <a:t>user</a:t>
             </a:r>
             <a:r>
-              <a:rPr lang="en-GB" sz="1600" b="1" dirty="0">
+              <a:rPr lang="en-GB" b="1" dirty="0">
                 <a:effectLst/>
                 <a:latin typeface="Consolas" panose="020B0609020204030204" pitchFamily="49" charset="0"/>
                 <a:cs typeface="Consolas" panose="020B0609020204030204" pitchFamily="49" charset="0"/>
@@ -19505,7 +19532,7 @@
           </a:p>
           <a:p>
             <a:r>
-              <a:rPr lang="en-GB" sz="1600" b="1" dirty="0">
+              <a:rPr lang="en-GB" b="1" dirty="0">
                 <a:effectLst/>
                 <a:latin typeface="Consolas" panose="020B0609020204030204" pitchFamily="49" charset="0"/>
                 <a:cs typeface="Consolas" panose="020B0609020204030204" pitchFamily="49" charset="0"/>
@@ -19513,7 +19540,7 @@
               <a:t>            dbContext.</a:t>
             </a:r>
             <a:r>
-              <a:rPr lang="en-GB" sz="1600" b="1" dirty="0">
+              <a:rPr lang="en-GB" b="1" dirty="0">
                 <a:solidFill>
                   <a:schemeClr val="bg1"/>
                 </a:solidFill>
@@ -19524,7 +19551,7 @@
               <a:t>SaveChanges</a:t>
             </a:r>
             <a:r>
-              <a:rPr lang="en-GB" sz="1600" b="1" dirty="0">
+              <a:rPr lang="en-GB" b="1" dirty="0">
                 <a:effectLst/>
                 <a:latin typeface="Consolas" panose="020B0609020204030204" pitchFamily="49" charset="0"/>
                 <a:cs typeface="Consolas" panose="020B0609020204030204" pitchFamily="49" charset="0"/>
@@ -19534,7 +19561,7 @@
           </a:p>
           <a:p>
             <a:r>
-              <a:rPr lang="en-GB" sz="1600" b="1" dirty="0">
+              <a:rPr lang="en-GB" b="1" dirty="0">
                 <a:effectLst/>
                 <a:latin typeface="Consolas" panose="020B0609020204030204" pitchFamily="49" charset="0"/>
                 <a:cs typeface="Consolas" panose="020B0609020204030204" pitchFamily="49" charset="0"/>
@@ -19544,7 +19571,7 @@
           </a:p>
           <a:p>
             <a:r>
-              <a:rPr lang="en-GB" sz="1600" b="1" dirty="0">
+              <a:rPr lang="en-GB" b="1" dirty="0">
                 <a:effectLst/>
                 <a:latin typeface="Consolas" panose="020B0609020204030204" pitchFamily="49" charset="0"/>
                 <a:cs typeface="Consolas" panose="020B0609020204030204" pitchFamily="49" charset="0"/>
@@ -19553,7 +19580,7 @@
             </a:r>
           </a:p>
           <a:p>
-            <a:endParaRPr lang="en-GB" sz="1600" b="1" dirty="0">
+            <a:endParaRPr lang="en-GB" b="1" dirty="0">
               <a:effectLst/>
               <a:latin typeface="Consolas" panose="020B0609020204030204" pitchFamily="49" charset="0"/>
               <a:cs typeface="Consolas" panose="020B0609020204030204" pitchFamily="49" charset="0"/>
@@ -19561,7 +19588,7 @@
           </a:p>
           <a:p>
             <a:r>
-              <a:rPr lang="en-GB" sz="1600" b="1" dirty="0">
+              <a:rPr lang="en-GB" b="1" dirty="0">
                 <a:effectLst/>
                 <a:latin typeface="Consolas" panose="020B0609020204030204" pitchFamily="49" charset="0"/>
                 <a:cs typeface="Consolas" panose="020B0609020204030204" pitchFamily="49" charset="0"/>
@@ -19569,7 +19596,7 @@
               <a:t>    public static User </a:t>
             </a:r>
             <a:r>
-              <a:rPr lang="en-GB" sz="1600" b="1" dirty="0">
+              <a:rPr lang="en-GB" b="1" dirty="0">
                 <a:solidFill>
                   <a:schemeClr val="bg1"/>
                 </a:solidFill>
@@ -19580,7 +19607,7 @@
               <a:t>GetUserById</a:t>
             </a:r>
             <a:r>
-              <a:rPr lang="en-GB" sz="1600" b="1" dirty="0">
+              <a:rPr lang="en-GB" b="1" dirty="0">
                 <a:effectLst/>
                 <a:latin typeface="Consolas" panose="020B0609020204030204" pitchFamily="49" charset="0"/>
                 <a:cs typeface="Consolas" panose="020B0609020204030204" pitchFamily="49" charset="0"/>
@@ -19590,7 +19617,7 @@
           </a:p>
           <a:p>
             <a:r>
-              <a:rPr lang="en-GB" sz="1600" b="1" dirty="0">
+              <a:rPr lang="en-GB" b="1" dirty="0">
                 <a:effectLst/>
                 <a:latin typeface="Consolas" panose="020B0609020204030204" pitchFamily="49" charset="0"/>
                 <a:cs typeface="Consolas" panose="020B0609020204030204" pitchFamily="49" charset="0"/>
@@ -19600,7 +19627,7 @@
           </a:p>
           <a:p>
             <a:r>
-              <a:rPr lang="en-GB" sz="1600" b="1" dirty="0">
+              <a:rPr lang="en-GB" b="1" dirty="0">
                 <a:effectLst/>
                 <a:latin typeface="Consolas" panose="020B0609020204030204" pitchFamily="49" charset="0"/>
                 <a:cs typeface="Consolas" panose="020B0609020204030204" pitchFamily="49" charset="0"/>
@@ -19610,7 +19637,7 @@
           </a:p>
           <a:p>
             <a:r>
-              <a:rPr lang="en-GB" sz="1600" b="1" dirty="0">
+              <a:rPr lang="en-GB" b="1" dirty="0">
                 <a:effectLst/>
                 <a:latin typeface="Consolas" panose="020B0609020204030204" pitchFamily="49" charset="0"/>
                 <a:cs typeface="Consolas" panose="020B0609020204030204" pitchFamily="49" charset="0"/>
@@ -19620,7 +19647,7 @@
           </a:p>
           <a:p>
             <a:r>
-              <a:rPr lang="en-GB" sz="1600" b="1" dirty="0">
+              <a:rPr lang="en-GB" b="1" dirty="0">
                 <a:effectLst/>
                 <a:latin typeface="Consolas" panose="020B0609020204030204" pitchFamily="49" charset="0"/>
                 <a:cs typeface="Consolas" panose="020B0609020204030204" pitchFamily="49" charset="0"/>
@@ -19628,7 +19655,7 @@
               <a:t>            return </a:t>
             </a:r>
             <a:r>
-              <a:rPr lang="en-GB" sz="1600" b="1" dirty="0">
+              <a:rPr lang="en-GB" b="1" dirty="0">
                 <a:solidFill>
                   <a:schemeClr val="bg1"/>
                 </a:solidFill>
@@ -19639,7 +19666,7 @@
               <a:t>dbContext</a:t>
             </a:r>
             <a:r>
-              <a:rPr lang="en-GB" sz="1600" b="1" dirty="0">
+              <a:rPr lang="en-GB" b="1" dirty="0">
                 <a:effectLst/>
                 <a:latin typeface="Consolas" panose="020B0609020204030204" pitchFamily="49" charset="0"/>
                 <a:cs typeface="Consolas" panose="020B0609020204030204" pitchFamily="49" charset="0"/>
@@ -19647,7 +19674,7 @@
               <a:t>.</a:t>
             </a:r>
             <a:r>
-              <a:rPr lang="en-GB" sz="1600" b="1" dirty="0">
+              <a:rPr lang="en-GB" b="1" dirty="0">
                 <a:solidFill>
                   <a:schemeClr val="bg1"/>
                 </a:solidFill>
@@ -19658,7 +19685,7 @@
               <a:t>Users</a:t>
             </a:r>
             <a:r>
-              <a:rPr lang="en-GB" sz="1600" b="1" dirty="0">
+              <a:rPr lang="en-GB" b="1" dirty="0">
                 <a:effectLst/>
                 <a:latin typeface="Consolas" panose="020B0609020204030204" pitchFamily="49" charset="0"/>
                 <a:cs typeface="Consolas" panose="020B0609020204030204" pitchFamily="49" charset="0"/>
@@ -19666,7 +19693,7 @@
               <a:t>.</a:t>
             </a:r>
             <a:r>
-              <a:rPr lang="en-GB" sz="1600" b="1" dirty="0">
+              <a:rPr lang="en-GB" b="1" dirty="0">
                 <a:solidFill>
                   <a:schemeClr val="bg1"/>
                 </a:solidFill>
@@ -19677,7 +19704,7 @@
               <a:t>FirstOrDefault</a:t>
             </a:r>
             <a:r>
-              <a:rPr lang="en-GB" sz="1600" b="1" dirty="0">
+              <a:rPr lang="en-GB" b="1" dirty="0">
                 <a:effectLst/>
                 <a:latin typeface="Consolas" panose="020B0609020204030204" pitchFamily="49" charset="0"/>
                 <a:cs typeface="Consolas" panose="020B0609020204030204" pitchFamily="49" charset="0"/>
@@ -19685,7 +19712,7 @@
               <a:t>(u =&gt; u.</a:t>
             </a:r>
             <a:r>
-              <a:rPr lang="en-GB" sz="1600" b="1" dirty="0">
+              <a:rPr lang="en-GB" b="1" dirty="0">
                 <a:solidFill>
                   <a:schemeClr val="bg1"/>
                 </a:solidFill>
@@ -19696,7 +19723,7 @@
               <a:t>UserId</a:t>
             </a:r>
             <a:r>
-              <a:rPr lang="en-GB" sz="1600" b="1" dirty="0">
+              <a:rPr lang="en-GB" b="1" dirty="0">
                 <a:effectLst/>
                 <a:latin typeface="Consolas" panose="020B0609020204030204" pitchFamily="49" charset="0"/>
                 <a:cs typeface="Consolas" panose="020B0609020204030204" pitchFamily="49" charset="0"/>
@@ -19704,7 +19731,7 @@
               <a:t> == </a:t>
             </a:r>
             <a:r>
-              <a:rPr lang="en-GB" sz="1600" b="1" dirty="0">
+              <a:rPr lang="en-GB" b="1" dirty="0">
                 <a:solidFill>
                   <a:schemeClr val="bg1"/>
                 </a:solidFill>
@@ -19715,7 +19742,7 @@
               <a:t>userId</a:t>
             </a:r>
             <a:r>
-              <a:rPr lang="en-GB" sz="1600" b="1" dirty="0">
+              <a:rPr lang="en-GB" b="1" dirty="0">
                 <a:effectLst/>
                 <a:latin typeface="Consolas" panose="020B0609020204030204" pitchFamily="49" charset="0"/>
                 <a:cs typeface="Consolas" panose="020B0609020204030204" pitchFamily="49" charset="0"/>
@@ -19725,7 +19752,7 @@
           </a:p>
           <a:p>
             <a:r>
-              <a:rPr lang="en-GB" sz="1600" b="1" dirty="0">
+              <a:rPr lang="en-GB" b="1" dirty="0">
                 <a:effectLst/>
                 <a:latin typeface="Consolas" panose="020B0609020204030204" pitchFamily="49" charset="0"/>
                 <a:cs typeface="Consolas" panose="020B0609020204030204" pitchFamily="49" charset="0"/>
@@ -19735,7 +19762,7 @@
           </a:p>
           <a:p>
             <a:r>
-              <a:rPr lang="en-GB" sz="1600" b="1" dirty="0">
+              <a:rPr lang="en-GB" b="1" dirty="0">
                 <a:effectLst/>
                 <a:latin typeface="Consolas" panose="020B0609020204030204" pitchFamily="49" charset="0"/>
                 <a:cs typeface="Consolas" panose="020B0609020204030204" pitchFamily="49" charset="0"/>
@@ -19745,13 +19772,13 @@
           </a:p>
           <a:p>
             <a:r>
-              <a:rPr lang="en-GB" sz="1600" b="1" dirty="0">
+              <a:rPr lang="en-GB" b="1" dirty="0">
                 <a:latin typeface="Consolas" panose="020B0609020204030204" pitchFamily="49" charset="0"/>
                 <a:cs typeface="Consolas" panose="020B0609020204030204" pitchFamily="49" charset="0"/>
               </a:rPr>
               <a:t>}</a:t>
             </a:r>
-            <a:endParaRPr lang="en-GB" b="1" dirty="0">
+            <a:endParaRPr lang="en-GB" sz="2000" b="1" dirty="0">
               <a:effectLst/>
               <a:latin typeface="Consolas" panose="020B0609020204030204" pitchFamily="49" charset="0"/>
               <a:cs typeface="Consolas" panose="020B0609020204030204" pitchFamily="49" charset="0"/>

--- a/Courses/Software-Sciences/Module-4-Information-Systems-New/12-Implementation-of-Information-System/12.1-Implementation-of-Information-System.pptx
+++ b/Courses/Software-Sciences/Module-4-Information-Systems-New/12-Implementation-of-Information-System/12.1-Implementation-of-Information-System.pptx
@@ -334,7 +334,7 @@
           <a:p>
             <a:fld id="{4E087215-0C8F-4762-A664-737A353EC9A4}" type="datetimeFigureOut">
               <a:rPr lang="bg-BG" smtClean="0"/>
-              <a:t>27.12.24 г.</a:t>
+              <a:t>12.01.25 г.</a:t>
             </a:fld>
             <a:endParaRPr lang="bg-BG"/>
           </a:p>
@@ -530,7 +530,7 @@
           <a:p>
             <a:fld id="{72D84649-876A-46C9-8472-14CB09C070D8}" type="datetimeFigureOut">
               <a:rPr lang="en-US" smtClean="0"/>
-              <a:t>12/27/24</a:t>
+              <a:t>1/12/25</a:t>
             </a:fld>
             <a:endParaRPr lang="en-US"/>
           </a:p>
@@ -13999,7 +13999,7 @@
         <p:spPr>
           <a:xfrm>
             <a:off x="182217" y="1300188"/>
-            <a:ext cx="11562624" cy="5355312"/>
+            <a:ext cx="11562624" cy="5632311"/>
           </a:xfrm>
           <a:prstGeom prst="rect">
             <a:avLst/>
@@ -14120,21 +14120,19 @@
               </a:rPr>
               <a:t>Всички полета трябва да бъдат попълнени.",</a:t>
             </a:r>
-            <a:r>
-              <a:rPr lang="en-US" b="1" dirty="0">
-                <a:effectLst/>
-                <a:latin typeface="Consolas" panose="020B0609020204030204" pitchFamily="49" charset="0"/>
-                <a:cs typeface="Consolas" panose="020B0609020204030204" pitchFamily="49" charset="0"/>
-              </a:rPr>
-              <a:t> </a:t>
-            </a:r>
+            <a:endParaRPr lang="bg-BG" b="1" dirty="0">
+              <a:latin typeface="Consolas" panose="020B0609020204030204" pitchFamily="49" charset="0"/>
+              <a:cs typeface="Consolas" panose="020B0609020204030204" pitchFamily="49" charset="0"/>
+            </a:endParaRPr>
+          </a:p>
+          <a:p>
             <a:r>
               <a:rPr lang="bg-BG" b="1" dirty="0">
                 <a:effectLst/>
                 <a:latin typeface="Consolas" panose="020B0609020204030204" pitchFamily="49" charset="0"/>
                 <a:cs typeface="Consolas" panose="020B0609020204030204" pitchFamily="49" charset="0"/>
               </a:rPr>
-              <a:t>"Грешка", </a:t>
+              <a:t>							         "Регистриране на админ", </a:t>
             </a:r>
             <a:r>
               <a:rPr lang="en-GB" b="1" dirty="0">
@@ -15841,8 +15839,8 @@
         </p:nvSpPr>
         <p:spPr>
           <a:xfrm>
-            <a:off x="190406" y="1240005"/>
-            <a:ext cx="11562624" cy="5293757"/>
+            <a:off x="180174" y="1125620"/>
+            <a:ext cx="11562624" cy="5632311"/>
           </a:xfrm>
           <a:prstGeom prst="rect">
             <a:avLst/>
@@ -15890,6 +15888,147 @@
             </a:endParaRPr>
           </a:p>
           <a:p>
+            <a:r>
+              <a:rPr lang="bg-BG" sz="2000" b="1" dirty="0">
+                <a:latin typeface="Consolas" panose="020B0609020204030204" pitchFamily="49" charset="0"/>
+                <a:cs typeface="Consolas" panose="020B0609020204030204" pitchFamily="49" charset="0"/>
+              </a:rPr>
+              <a:t>    </a:t>
+            </a:r>
+            <a:r>
+              <a:rPr lang="bg-BG" sz="2000" b="1" dirty="0">
+                <a:solidFill>
+                  <a:schemeClr val="accent2"/>
+                </a:solidFill>
+                <a:effectLst/>
+                <a:latin typeface="Consolas" panose="020B0609020204030204" pitchFamily="49" charset="0"/>
+                <a:cs typeface="Consolas" panose="020B0609020204030204" pitchFamily="49" charset="0"/>
+              </a:rPr>
+              <a:t>// Използваме </a:t>
+            </a:r>
+            <a:r>
+              <a:rPr lang="en-US" sz="2000" b="1" dirty="0">
+                <a:solidFill>
+                  <a:schemeClr val="accent2"/>
+                </a:solidFill>
+                <a:effectLst/>
+                <a:latin typeface="Consolas" panose="020B0609020204030204" pitchFamily="49" charset="0"/>
+                <a:cs typeface="Consolas" panose="020B0609020204030204" pitchFamily="49" charset="0"/>
+              </a:rPr>
+              <a:t>UserHelper </a:t>
+            </a:r>
+            <a:r>
+              <a:rPr lang="bg-BG" sz="2000" b="1" dirty="0">
+                <a:solidFill>
+                  <a:schemeClr val="accent2"/>
+                </a:solidFill>
+                <a:effectLst/>
+                <a:latin typeface="Consolas" panose="020B0609020204030204" pitchFamily="49" charset="0"/>
+                <a:cs typeface="Consolas" panose="020B0609020204030204" pitchFamily="49" charset="0"/>
+              </a:rPr>
+              <a:t>за добавяне на потребител</a:t>
+            </a:r>
+          </a:p>
+          <a:p>
+            <a:r>
+              <a:rPr lang="bg-BG" sz="2000" b="1" dirty="0">
+                <a:effectLst/>
+                <a:latin typeface="Consolas" panose="020B0609020204030204" pitchFamily="49" charset="0"/>
+                <a:cs typeface="Consolas" panose="020B0609020204030204" pitchFamily="49" charset="0"/>
+              </a:rPr>
+              <a:t>    </a:t>
+            </a:r>
+            <a:r>
+              <a:rPr lang="en-US" sz="2000" b="1" dirty="0">
+                <a:effectLst/>
+                <a:latin typeface="Consolas" panose="020B0609020204030204" pitchFamily="49" charset="0"/>
+                <a:cs typeface="Consolas" panose="020B0609020204030204" pitchFamily="49" charset="0"/>
+              </a:rPr>
+              <a:t>if (!</a:t>
+            </a:r>
+            <a:r>
+              <a:rPr lang="en-US" sz="2000" b="1" dirty="0">
+                <a:solidFill>
+                  <a:schemeClr val="bg1"/>
+                </a:solidFill>
+                <a:effectLst/>
+                <a:latin typeface="Consolas" panose="020B0609020204030204" pitchFamily="49" charset="0"/>
+                <a:cs typeface="Consolas" panose="020B0609020204030204" pitchFamily="49" charset="0"/>
+              </a:rPr>
+              <a:t>UserHelper</a:t>
+            </a:r>
+            <a:r>
+              <a:rPr lang="en-US" sz="2000" b="1" dirty="0">
+                <a:effectLst/>
+                <a:latin typeface="Consolas" panose="020B0609020204030204" pitchFamily="49" charset="0"/>
+                <a:cs typeface="Consolas" panose="020B0609020204030204" pitchFamily="49" charset="0"/>
+              </a:rPr>
+              <a:t>.</a:t>
+            </a:r>
+            <a:r>
+              <a:rPr lang="en-US" sz="2000" b="1" dirty="0">
+                <a:solidFill>
+                  <a:schemeClr val="bg1"/>
+                </a:solidFill>
+                <a:effectLst/>
+                <a:latin typeface="Consolas" panose="020B0609020204030204" pitchFamily="49" charset="0"/>
+                <a:cs typeface="Consolas" panose="020B0609020204030204" pitchFamily="49" charset="0"/>
+              </a:rPr>
+              <a:t>AddNewUser</a:t>
+            </a:r>
+            <a:r>
+              <a:rPr lang="en-US" sz="2000" b="1" dirty="0">
+                <a:effectLst/>
+                <a:latin typeface="Consolas" panose="020B0609020204030204" pitchFamily="49" charset="0"/>
+                <a:cs typeface="Consolas" panose="020B0609020204030204" pitchFamily="49" charset="0"/>
+              </a:rPr>
+              <a:t>(</a:t>
+            </a:r>
+            <a:r>
+              <a:rPr lang="en-US" sz="2000" b="1" dirty="0">
+                <a:solidFill>
+                  <a:schemeClr val="bg1"/>
+                </a:solidFill>
+                <a:effectLst/>
+                <a:latin typeface="Consolas" panose="020B0609020204030204" pitchFamily="49" charset="0"/>
+                <a:cs typeface="Consolas" panose="020B0609020204030204" pitchFamily="49" charset="0"/>
+              </a:rPr>
+              <a:t>newUser</a:t>
+            </a:r>
+            <a:r>
+              <a:rPr lang="en-US" sz="2000" b="1" dirty="0">
+                <a:effectLst/>
+                <a:latin typeface="Consolas" panose="020B0609020204030204" pitchFamily="49" charset="0"/>
+                <a:cs typeface="Consolas" panose="020B0609020204030204" pitchFamily="49" charset="0"/>
+              </a:rPr>
+              <a:t>))</a:t>
+            </a:r>
+          </a:p>
+          <a:p>
+            <a:r>
+              <a:rPr lang="en-US" sz="2000" b="1" dirty="0">
+                <a:effectLst/>
+                <a:latin typeface="Consolas" panose="020B0609020204030204" pitchFamily="49" charset="0"/>
+                <a:cs typeface="Consolas" panose="020B0609020204030204" pitchFamily="49" charset="0"/>
+              </a:rPr>
+              <a:t>  </a:t>
+            </a:r>
+            <a:r>
+              <a:rPr lang="bg-BG" sz="2000" b="1" dirty="0">
+                <a:effectLst/>
+                <a:latin typeface="Consolas" panose="020B0609020204030204" pitchFamily="49" charset="0"/>
+                <a:cs typeface="Consolas" panose="020B0609020204030204" pitchFamily="49" charset="0"/>
+              </a:rPr>
+              <a:t>  </a:t>
+            </a:r>
+            <a:r>
+              <a:rPr lang="en-US" sz="2000" b="1" dirty="0">
+                <a:effectLst/>
+                <a:latin typeface="Consolas" panose="020B0609020204030204" pitchFamily="49" charset="0"/>
+                <a:cs typeface="Consolas" panose="020B0609020204030204" pitchFamily="49" charset="0"/>
+              </a:rPr>
+              <a:t>{</a:t>
+            </a:r>
             <a:endParaRPr lang="bg-BG" sz="2000" b="1" dirty="0">
               <a:effectLst/>
               <a:latin typeface="Consolas" panose="020B0609020204030204" pitchFamily="49" charset="0"/>
@@ -15898,12 +16037,31 @@
           </a:p>
           <a:p>
             <a:r>
+              <a:rPr lang="bg-BG" sz="2000" b="1" dirty="0">
+                <a:effectLst/>
+                <a:latin typeface="Consolas" panose="020B0609020204030204" pitchFamily="49" charset="0"/>
+                <a:cs typeface="Consolas" panose="020B0609020204030204" pitchFamily="49" charset="0"/>
+              </a:rPr>
+              <a:t>        </a:t>
+            </a:r>
+            <a:r>
               <a:rPr lang="en-US" sz="2000" b="1" dirty="0">
                 <a:effectLst/>
                 <a:latin typeface="Consolas" panose="020B0609020204030204" pitchFamily="49" charset="0"/>
                 <a:cs typeface="Consolas" panose="020B0609020204030204" pitchFamily="49" charset="0"/>
               </a:rPr>
-              <a:t>    </a:t>
+              <a:t>return; </a:t>
+            </a:r>
+            <a:r>
+              <a:rPr lang="en-US" sz="2000" b="1" dirty="0">
+                <a:solidFill>
+                  <a:schemeClr val="accent2"/>
+                </a:solidFill>
+                <a:effectLst/>
+                <a:latin typeface="Consolas" panose="020B0609020204030204" pitchFamily="49" charset="0"/>
+                <a:cs typeface="Consolas" panose="020B0609020204030204" pitchFamily="49" charset="0"/>
+              </a:rPr>
+              <a:t>// </a:t>
             </a:r>
             <a:r>
               <a:rPr lang="bg-BG" sz="2000" b="1" dirty="0">
@@ -15914,96 +16072,41 @@
                 <a:latin typeface="Consolas" panose="020B0609020204030204" pitchFamily="49" charset="0"/>
                 <a:cs typeface="Consolas" panose="020B0609020204030204" pitchFamily="49" charset="0"/>
               </a:rPr>
-              <a:t>// Използваме </a:t>
-            </a:r>
-            <a:r>
-              <a:rPr lang="en-GB" sz="2000" b="1" dirty="0">
-                <a:solidFill>
-                  <a:schemeClr val="accent2"/>
-                </a:solidFill>
-                <a:effectLst/>
-                <a:latin typeface="Consolas" panose="020B0609020204030204" pitchFamily="49" charset="0"/>
-                <a:cs typeface="Consolas" panose="020B0609020204030204" pitchFamily="49" charset="0"/>
-              </a:rPr>
-              <a:t>UserHelper </a:t>
+              <a:t>Ако потребителят вече съществува, прекратяваме</a:t>
+            </a:r>
+            <a:endParaRPr lang="en-US" sz="2000" b="1" dirty="0">
+              <a:solidFill>
+                <a:schemeClr val="accent2"/>
+              </a:solidFill>
+              <a:effectLst/>
+              <a:latin typeface="Consolas" panose="020B0609020204030204" pitchFamily="49" charset="0"/>
+              <a:cs typeface="Consolas" panose="020B0609020204030204" pitchFamily="49" charset="0"/>
+            </a:endParaRPr>
+          </a:p>
+          <a:p>
+            <a:r>
+              <a:rPr lang="en-US" sz="2000" b="1" dirty="0">
+                <a:effectLst/>
+                <a:latin typeface="Consolas" panose="020B0609020204030204" pitchFamily="49" charset="0"/>
+                <a:cs typeface="Consolas" panose="020B0609020204030204" pitchFamily="49" charset="0"/>
+              </a:rPr>
+              <a:t>  </a:t>
             </a:r>
             <a:r>
               <a:rPr lang="bg-BG" sz="2000" b="1" dirty="0">
-                <a:solidFill>
-                  <a:schemeClr val="accent2"/>
-                </a:solidFill>
-                <a:effectLst/>
-                <a:latin typeface="Consolas" panose="020B0609020204030204" pitchFamily="49" charset="0"/>
-                <a:cs typeface="Consolas" panose="020B0609020204030204" pitchFamily="49" charset="0"/>
-              </a:rPr>
-              <a:t>за добавяне на потребител</a:t>
-            </a:r>
-          </a:p>
-          <a:p>
+                <a:effectLst/>
+                <a:latin typeface="Consolas" panose="020B0609020204030204" pitchFamily="49" charset="0"/>
+                <a:cs typeface="Consolas" panose="020B0609020204030204" pitchFamily="49" charset="0"/>
+              </a:rPr>
+              <a:t>  </a:t>
+            </a:r>
             <a:r>
               <a:rPr lang="en-US" sz="2000" b="1" dirty="0">
                 <a:effectLst/>
                 <a:latin typeface="Consolas" panose="020B0609020204030204" pitchFamily="49" charset="0"/>
                 <a:cs typeface="Consolas" panose="020B0609020204030204" pitchFamily="49" charset="0"/>
               </a:rPr>
-              <a:t>    </a:t>
-            </a:r>
-            <a:r>
-              <a:rPr lang="en-GB" sz="2000" b="1" dirty="0">
-                <a:solidFill>
-                  <a:schemeClr val="bg1"/>
-                </a:solidFill>
-                <a:effectLst/>
-                <a:latin typeface="Consolas" panose="020B0609020204030204" pitchFamily="49" charset="0"/>
-                <a:cs typeface="Consolas" panose="020B0609020204030204" pitchFamily="49" charset="0"/>
-              </a:rPr>
-              <a:t>UserHelper</a:t>
-            </a:r>
-            <a:r>
-              <a:rPr lang="en-GB" sz="2000" b="1" dirty="0">
-                <a:effectLst/>
-                <a:latin typeface="Consolas" panose="020B0609020204030204" pitchFamily="49" charset="0"/>
-                <a:cs typeface="Consolas" panose="020B0609020204030204" pitchFamily="49" charset="0"/>
-              </a:rPr>
-              <a:t>.</a:t>
-            </a:r>
-            <a:r>
-              <a:rPr lang="en-GB" sz="2000" b="1" dirty="0">
-                <a:solidFill>
-                  <a:schemeClr val="bg1"/>
-                </a:solidFill>
-                <a:effectLst/>
-                <a:latin typeface="Consolas" panose="020B0609020204030204" pitchFamily="49" charset="0"/>
-                <a:cs typeface="Consolas" panose="020B0609020204030204" pitchFamily="49" charset="0"/>
-              </a:rPr>
-              <a:t>AddNewUser</a:t>
-            </a:r>
-            <a:r>
-              <a:rPr lang="en-GB" sz="2000" b="1" dirty="0">
-                <a:effectLst/>
-                <a:latin typeface="Consolas" panose="020B0609020204030204" pitchFamily="49" charset="0"/>
-                <a:cs typeface="Consolas" panose="020B0609020204030204" pitchFamily="49" charset="0"/>
-              </a:rPr>
-              <a:t>(</a:t>
-            </a:r>
-            <a:r>
-              <a:rPr lang="en-GB" sz="2000" b="1" dirty="0">
-                <a:solidFill>
-                  <a:schemeClr val="bg1"/>
-                </a:solidFill>
-                <a:effectLst/>
-                <a:latin typeface="Consolas" panose="020B0609020204030204" pitchFamily="49" charset="0"/>
-                <a:cs typeface="Consolas" panose="020B0609020204030204" pitchFamily="49" charset="0"/>
-              </a:rPr>
-              <a:t>newUser</a:t>
-            </a:r>
-            <a:r>
-              <a:rPr lang="en-GB" sz="2000" b="1" dirty="0">
-                <a:effectLst/>
-                <a:latin typeface="Consolas" panose="020B0609020204030204" pitchFamily="49" charset="0"/>
-                <a:cs typeface="Consolas" panose="020B0609020204030204" pitchFamily="49" charset="0"/>
-              </a:rPr>
-              <a:t>);</a:t>
+              <a:t>}</a:t>
             </a:r>
           </a:p>
           <a:p>
@@ -16237,13 +16340,6 @@
               </a:rPr>
               <a:t>}</a:t>
             </a:r>
-            <a:endParaRPr lang="bg-BG" sz="2000" b="1" dirty="0">
-              <a:effectLst/>
-              <a:latin typeface="Consolas" panose="020B0609020204030204" pitchFamily="49" charset="0"/>
-              <a:cs typeface="Consolas" panose="020B0609020204030204" pitchFamily="49" charset="0"/>
-            </a:endParaRPr>
-          </a:p>
-          <a:p>
             <a:endParaRPr lang="bg-BG" sz="2000" b="1" dirty="0">
               <a:latin typeface="Consolas" panose="020B0609020204030204" pitchFamily="49" charset="0"/>
               <a:cs typeface="Consolas" panose="020B0609020204030204" pitchFamily="49" charset="0"/>
@@ -16281,13 +16377,13 @@
         </p:nvSpPr>
         <p:spPr bwMode="auto">
           <a:xfrm>
-            <a:off x="7086000" y="2304000"/>
+            <a:off x="8166000" y="1584000"/>
             <a:ext cx="3015000" cy="783166"/>
           </a:xfrm>
           <a:prstGeom prst="wedgeRoundRectCallout">
             <a:avLst>
-              <a:gd name="adj1" fmla="val -112768"/>
-              <a:gd name="adj2" fmla="val -41696"/>
+              <a:gd name="adj1" fmla="val -123014"/>
+              <a:gd name="adj2" fmla="val -674"/>
               <a:gd name="adj3" fmla="val 16667"/>
             </a:avLst>
           </a:prstGeom>
@@ -16397,7 +16493,7 @@
         </p:nvSpPr>
         <p:spPr bwMode="auto">
           <a:xfrm>
-            <a:off x="4746000" y="4689000"/>
+            <a:off x="4791000" y="5184000"/>
             <a:ext cx="3120928" cy="442648"/>
           </a:xfrm>
           <a:prstGeom prst="wedgeRoundRectCallout">
@@ -17020,7 +17116,7 @@
                 <a:latin typeface="Consolas" panose="020B0609020204030204" pitchFamily="49" charset="0"/>
                 <a:cs typeface="Consolas" panose="020B0609020204030204" pitchFamily="49" charset="0"/>
               </a:rPr>
-              <a:t>                "Грешка", </a:t>
+              <a:t>            "Регистриране на админ", </a:t>
             </a:r>
             <a:r>
               <a:rPr lang="en-GB" sz="2000" b="1" dirty="0">
@@ -17923,7 +18019,7 @@
                 <a:latin typeface="Consolas" panose="020B0609020204030204" pitchFamily="49" charset="0"/>
                 <a:cs typeface="Consolas" panose="020B0609020204030204" pitchFamily="49" charset="0"/>
               </a:rPr>
-              <a:t>    public static void </a:t>
+              <a:t>    public static bool </a:t>
             </a:r>
             <a:r>
               <a:rPr lang="en-GB" sz="1400" b="1" dirty="0">
@@ -18036,233 +18132,271 @@
                 <a:latin typeface="Consolas" panose="020B0609020204030204" pitchFamily="49" charset="0"/>
                 <a:cs typeface="Consolas" panose="020B0609020204030204" pitchFamily="49" charset="0"/>
               </a:rPr>
-              <a:t>                return;</a:t>
-            </a:r>
-          </a:p>
-          <a:p>
+              <a:t>                return </a:t>
+            </a:r>
             <a:r>
               <a:rPr lang="en-GB" sz="1400" b="1" dirty="0">
+                <a:solidFill>
+                  <a:schemeClr val="bg1"/>
+                </a:solidFill>
+                <a:effectLst/>
+                <a:latin typeface="Consolas" panose="020B0609020204030204" pitchFamily="49" charset="0"/>
+                <a:cs typeface="Consolas" panose="020B0609020204030204" pitchFamily="49" charset="0"/>
+              </a:rPr>
+              <a:t>false</a:t>
+            </a:r>
+            <a:r>
+              <a:rPr lang="en-GB" sz="1400" b="1" dirty="0">
+                <a:effectLst/>
+                <a:latin typeface="Consolas" panose="020B0609020204030204" pitchFamily="49" charset="0"/>
+                <a:cs typeface="Consolas" panose="020B0609020204030204" pitchFamily="49" charset="0"/>
+              </a:rPr>
+              <a:t>;</a:t>
+            </a:r>
+          </a:p>
+          <a:p>
+            <a:r>
+              <a:rPr lang="en-GB" sz="1400" b="1" dirty="0">
                 <a:effectLst/>
                 <a:latin typeface="Consolas" panose="020B0609020204030204" pitchFamily="49" charset="0"/>
                 <a:cs typeface="Consolas" panose="020B0609020204030204" pitchFamily="49" charset="0"/>
               </a:rPr>
               <a:t>            }</a:t>
             </a:r>
-            <a:br>
+          </a:p>
+          <a:p>
+            <a:r>
               <a:rPr lang="en-GB" sz="1400" b="1" dirty="0">
                 <a:effectLst/>
                 <a:latin typeface="Consolas" panose="020B0609020204030204" pitchFamily="49" charset="0"/>
                 <a:cs typeface="Consolas" panose="020B0609020204030204" pitchFamily="49" charset="0"/>
               </a:rPr>
-            </a:br>
+              <a:t>            </a:t>
+            </a:r>
+            <a:r>
+              <a:rPr lang="en-GB" sz="1400" b="1" dirty="0">
+                <a:solidFill>
+                  <a:schemeClr val="accent2"/>
+                </a:solidFill>
+                <a:effectLst/>
+                <a:latin typeface="Consolas" panose="020B0609020204030204" pitchFamily="49" charset="0"/>
+                <a:cs typeface="Consolas" panose="020B0609020204030204" pitchFamily="49" charset="0"/>
+              </a:rPr>
+              <a:t>// </a:t>
+            </a:r>
+            <a:r>
+              <a:rPr lang="bg-BG" sz="1400" b="1" dirty="0">
+                <a:solidFill>
+                  <a:schemeClr val="accent2"/>
+                </a:solidFill>
+                <a:effectLst/>
+                <a:latin typeface="Consolas" panose="020B0609020204030204" pitchFamily="49" charset="0"/>
+                <a:cs typeface="Consolas" panose="020B0609020204030204" pitchFamily="49" charset="0"/>
+              </a:rPr>
+              <a:t>Хеширане на парола</a:t>
+            </a:r>
+          </a:p>
+          <a:p>
+            <a:r>
+              <a:rPr lang="bg-BG" sz="1400" b="1" dirty="0">
+                <a:effectLst/>
+                <a:latin typeface="Consolas" panose="020B0609020204030204" pitchFamily="49" charset="0"/>
+                <a:cs typeface="Consolas" panose="020B0609020204030204" pitchFamily="49" charset="0"/>
+              </a:rPr>
+              <a:t>            </a:t>
+            </a:r>
+            <a:r>
+              <a:rPr lang="en-GB" sz="1400" b="1" dirty="0">
+                <a:effectLst/>
+                <a:latin typeface="Consolas" panose="020B0609020204030204" pitchFamily="49" charset="0"/>
+                <a:cs typeface="Consolas" panose="020B0609020204030204" pitchFamily="49" charset="0"/>
+              </a:rPr>
+              <a:t>user.PasswordHash = </a:t>
+            </a:r>
+            <a:r>
+              <a:rPr lang="en-GB" sz="1400" b="1" dirty="0">
+                <a:solidFill>
+                  <a:schemeClr val="bg1"/>
+                </a:solidFill>
+                <a:effectLst/>
+                <a:latin typeface="Consolas" panose="020B0609020204030204" pitchFamily="49" charset="0"/>
+                <a:cs typeface="Consolas" panose="020B0609020204030204" pitchFamily="49" charset="0"/>
+              </a:rPr>
+              <a:t>PasswordHelper</a:t>
+            </a:r>
+            <a:r>
+              <a:rPr lang="en-GB" sz="1400" b="1" dirty="0">
+                <a:effectLst/>
+                <a:latin typeface="Consolas" panose="020B0609020204030204" pitchFamily="49" charset="0"/>
+                <a:cs typeface="Consolas" panose="020B0609020204030204" pitchFamily="49" charset="0"/>
+              </a:rPr>
+              <a:t>.</a:t>
+            </a:r>
+            <a:r>
+              <a:rPr lang="en-GB" sz="1400" b="1" dirty="0">
+                <a:solidFill>
+                  <a:schemeClr val="bg1"/>
+                </a:solidFill>
+                <a:effectLst/>
+                <a:latin typeface="Consolas" panose="020B0609020204030204" pitchFamily="49" charset="0"/>
+                <a:cs typeface="Consolas" panose="020B0609020204030204" pitchFamily="49" charset="0"/>
+              </a:rPr>
+              <a:t>HashPassword</a:t>
+            </a:r>
+            <a:r>
+              <a:rPr lang="en-GB" sz="1400" b="1" dirty="0">
+                <a:effectLst/>
+                <a:latin typeface="Consolas" panose="020B0609020204030204" pitchFamily="49" charset="0"/>
+                <a:cs typeface="Consolas" panose="020B0609020204030204" pitchFamily="49" charset="0"/>
+              </a:rPr>
+              <a:t>(</a:t>
+            </a:r>
+            <a:r>
+              <a:rPr lang="en-GB" sz="1400" b="1" dirty="0">
+                <a:solidFill>
+                  <a:schemeClr val="bg1"/>
+                </a:solidFill>
+                <a:effectLst/>
+                <a:latin typeface="Consolas" panose="020B0609020204030204" pitchFamily="49" charset="0"/>
+                <a:cs typeface="Consolas" panose="020B0609020204030204" pitchFamily="49" charset="0"/>
+              </a:rPr>
+              <a:t>user</a:t>
+            </a:r>
+            <a:r>
+              <a:rPr lang="en-GB" sz="1400" b="1" dirty="0">
+                <a:effectLst/>
+                <a:latin typeface="Consolas" panose="020B0609020204030204" pitchFamily="49" charset="0"/>
+                <a:cs typeface="Consolas" panose="020B0609020204030204" pitchFamily="49" charset="0"/>
+              </a:rPr>
+              <a:t>.</a:t>
+            </a:r>
+            <a:r>
+              <a:rPr lang="en-GB" sz="1400" b="1" dirty="0">
+                <a:solidFill>
+                  <a:schemeClr val="bg1"/>
+                </a:solidFill>
+                <a:effectLst/>
+                <a:latin typeface="Consolas" panose="020B0609020204030204" pitchFamily="49" charset="0"/>
+                <a:cs typeface="Consolas" panose="020B0609020204030204" pitchFamily="49" charset="0"/>
+              </a:rPr>
+              <a:t>PasswordHash</a:t>
+            </a:r>
+            <a:r>
+              <a:rPr lang="en-GB" sz="1400" b="1" dirty="0">
+                <a:effectLst/>
+                <a:latin typeface="Consolas" panose="020B0609020204030204" pitchFamily="49" charset="0"/>
+                <a:cs typeface="Consolas" panose="020B0609020204030204" pitchFamily="49" charset="0"/>
+              </a:rPr>
+              <a:t>);</a:t>
+            </a:r>
+          </a:p>
+          <a:p>
+            <a:r>
+              <a:rPr lang="en-GB" sz="1400" b="1" dirty="0">
+                <a:effectLst/>
+                <a:latin typeface="Consolas" panose="020B0609020204030204" pitchFamily="49" charset="0"/>
+                <a:cs typeface="Consolas" panose="020B0609020204030204" pitchFamily="49" charset="0"/>
+              </a:rPr>
+              <a:t>            dbContext.</a:t>
+            </a:r>
+            <a:r>
+              <a:rPr lang="en-GB" sz="1400" b="1" dirty="0">
+                <a:solidFill>
+                  <a:schemeClr val="bg1"/>
+                </a:solidFill>
+                <a:effectLst/>
+                <a:latin typeface="Consolas" panose="020B0609020204030204" pitchFamily="49" charset="0"/>
+                <a:cs typeface="Consolas" panose="020B0609020204030204" pitchFamily="49" charset="0"/>
+              </a:rPr>
+              <a:t>Users</a:t>
+            </a:r>
+            <a:r>
+              <a:rPr lang="en-GB" sz="1400" b="1" dirty="0">
+                <a:effectLst/>
+                <a:latin typeface="Consolas" panose="020B0609020204030204" pitchFamily="49" charset="0"/>
+                <a:cs typeface="Consolas" panose="020B0609020204030204" pitchFamily="49" charset="0"/>
+              </a:rPr>
+              <a:t>.</a:t>
+            </a:r>
+            <a:r>
+              <a:rPr lang="en-GB" sz="1400" b="1" dirty="0">
+                <a:solidFill>
+                  <a:schemeClr val="bg1"/>
+                </a:solidFill>
+                <a:effectLst/>
+                <a:latin typeface="Consolas" panose="020B0609020204030204" pitchFamily="49" charset="0"/>
+                <a:cs typeface="Consolas" panose="020B0609020204030204" pitchFamily="49" charset="0"/>
+              </a:rPr>
+              <a:t>Add</a:t>
+            </a:r>
+            <a:r>
+              <a:rPr lang="en-GB" sz="1400" b="1" dirty="0">
+                <a:effectLst/>
+                <a:latin typeface="Consolas" panose="020B0609020204030204" pitchFamily="49" charset="0"/>
+                <a:cs typeface="Consolas" panose="020B0609020204030204" pitchFamily="49" charset="0"/>
+              </a:rPr>
+              <a:t>(user);</a:t>
+            </a:r>
+          </a:p>
+          <a:p>
+            <a:r>
+              <a:rPr lang="en-GB" sz="1400" b="1" dirty="0">
+                <a:effectLst/>
+                <a:latin typeface="Consolas" panose="020B0609020204030204" pitchFamily="49" charset="0"/>
+                <a:cs typeface="Consolas" panose="020B0609020204030204" pitchFamily="49" charset="0"/>
+              </a:rPr>
+              <a:t>            dbContext.</a:t>
+            </a:r>
+            <a:r>
+              <a:rPr lang="en-GB" sz="1400" b="1" dirty="0">
+                <a:solidFill>
+                  <a:schemeClr val="bg1"/>
+                </a:solidFill>
+                <a:effectLst/>
+                <a:latin typeface="Consolas" panose="020B0609020204030204" pitchFamily="49" charset="0"/>
+                <a:cs typeface="Consolas" panose="020B0609020204030204" pitchFamily="49" charset="0"/>
+              </a:rPr>
+              <a:t>SaveChanges</a:t>
+            </a:r>
+            <a:r>
+              <a:rPr lang="en-GB" sz="1400" b="1" dirty="0">
+                <a:effectLst/>
+                <a:latin typeface="Consolas" panose="020B0609020204030204" pitchFamily="49" charset="0"/>
+                <a:cs typeface="Consolas" panose="020B0609020204030204" pitchFamily="49" charset="0"/>
+              </a:rPr>
+              <a:t>();</a:t>
+            </a:r>
+          </a:p>
+          <a:p>
+            <a:r>
+              <a:rPr lang="en-GB" sz="1400" b="1" dirty="0">
+                <a:latin typeface="Consolas" panose="020B0609020204030204" pitchFamily="49" charset="0"/>
+                <a:cs typeface="Consolas" panose="020B0609020204030204" pitchFamily="49" charset="0"/>
+              </a:rPr>
+              <a:t>	   return </a:t>
+            </a:r>
+            <a:r>
+              <a:rPr lang="en-GB" sz="1400" b="1" dirty="0">
+                <a:solidFill>
+                  <a:schemeClr val="bg1"/>
+                </a:solidFill>
+                <a:latin typeface="Consolas" panose="020B0609020204030204" pitchFamily="49" charset="0"/>
+                <a:cs typeface="Consolas" panose="020B0609020204030204" pitchFamily="49" charset="0"/>
+              </a:rPr>
+              <a:t>true</a:t>
+            </a:r>
+            <a:r>
+              <a:rPr lang="en-GB" sz="1400" b="1" dirty="0">
+                <a:latin typeface="Consolas" panose="020B0609020204030204" pitchFamily="49" charset="0"/>
+                <a:cs typeface="Consolas" panose="020B0609020204030204" pitchFamily="49" charset="0"/>
+              </a:rPr>
+              <a:t>;</a:t>
+            </a:r>
             <a:endParaRPr lang="en-GB" sz="1400" b="1" dirty="0">
               <a:effectLst/>
               <a:latin typeface="Consolas" panose="020B0609020204030204" pitchFamily="49" charset="0"/>
               <a:cs typeface="Consolas" panose="020B0609020204030204" pitchFamily="49" charset="0"/>
             </a:endParaRPr>
-          </a:p>
-          <a:p>
-            <a:r>
-              <a:rPr lang="en-GB" sz="1400" b="1" dirty="0">
-                <a:effectLst/>
-                <a:latin typeface="Consolas" panose="020B0609020204030204" pitchFamily="49" charset="0"/>
-                <a:cs typeface="Consolas" panose="020B0609020204030204" pitchFamily="49" charset="0"/>
-              </a:rPr>
-              <a:t>            </a:t>
-            </a:r>
-            <a:r>
-              <a:rPr lang="en-GB" sz="1400" b="1" dirty="0">
-                <a:solidFill>
-                  <a:schemeClr val="accent2"/>
-                </a:solidFill>
-                <a:effectLst/>
-                <a:latin typeface="Consolas" panose="020B0609020204030204" pitchFamily="49" charset="0"/>
-                <a:cs typeface="Consolas" panose="020B0609020204030204" pitchFamily="49" charset="0"/>
-              </a:rPr>
-              <a:t>// </a:t>
-            </a:r>
-            <a:r>
-              <a:rPr lang="bg-BG" sz="1400" b="1" dirty="0">
-                <a:solidFill>
-                  <a:schemeClr val="accent2"/>
-                </a:solidFill>
-                <a:effectLst/>
-                <a:latin typeface="Consolas" panose="020B0609020204030204" pitchFamily="49" charset="0"/>
-                <a:cs typeface="Consolas" panose="020B0609020204030204" pitchFamily="49" charset="0"/>
-              </a:rPr>
-              <a:t>Хеширане на парола</a:t>
-            </a:r>
-          </a:p>
-          <a:p>
-            <a:r>
-              <a:rPr lang="bg-BG" sz="1400" b="1" dirty="0">
-                <a:effectLst/>
-                <a:latin typeface="Consolas" panose="020B0609020204030204" pitchFamily="49" charset="0"/>
-                <a:cs typeface="Consolas" panose="020B0609020204030204" pitchFamily="49" charset="0"/>
-              </a:rPr>
-              <a:t>            </a:t>
-            </a:r>
-            <a:r>
-              <a:rPr lang="en-GB" sz="1400" b="1" dirty="0">
-                <a:effectLst/>
-                <a:latin typeface="Consolas" panose="020B0609020204030204" pitchFamily="49" charset="0"/>
-                <a:cs typeface="Consolas" panose="020B0609020204030204" pitchFamily="49" charset="0"/>
-              </a:rPr>
-              <a:t>user.PasswordHash = </a:t>
-            </a:r>
-            <a:r>
-              <a:rPr lang="en-GB" sz="1400" b="1" dirty="0">
-                <a:solidFill>
-                  <a:schemeClr val="bg1"/>
-                </a:solidFill>
-                <a:effectLst/>
-                <a:latin typeface="Consolas" panose="020B0609020204030204" pitchFamily="49" charset="0"/>
-                <a:cs typeface="Consolas" panose="020B0609020204030204" pitchFamily="49" charset="0"/>
-              </a:rPr>
-              <a:t>PasswordHelper</a:t>
-            </a:r>
-            <a:r>
-              <a:rPr lang="en-GB" sz="1400" b="1" dirty="0">
-                <a:effectLst/>
-                <a:latin typeface="Consolas" panose="020B0609020204030204" pitchFamily="49" charset="0"/>
-                <a:cs typeface="Consolas" panose="020B0609020204030204" pitchFamily="49" charset="0"/>
-              </a:rPr>
-              <a:t>.</a:t>
-            </a:r>
-            <a:r>
-              <a:rPr lang="en-GB" sz="1400" b="1" dirty="0">
-                <a:solidFill>
-                  <a:schemeClr val="bg1"/>
-                </a:solidFill>
-                <a:effectLst/>
-                <a:latin typeface="Consolas" panose="020B0609020204030204" pitchFamily="49" charset="0"/>
-                <a:cs typeface="Consolas" panose="020B0609020204030204" pitchFamily="49" charset="0"/>
-              </a:rPr>
-              <a:t>HashPassword</a:t>
-            </a:r>
-            <a:r>
-              <a:rPr lang="en-GB" sz="1400" b="1" dirty="0">
-                <a:effectLst/>
-                <a:latin typeface="Consolas" panose="020B0609020204030204" pitchFamily="49" charset="0"/>
-                <a:cs typeface="Consolas" panose="020B0609020204030204" pitchFamily="49" charset="0"/>
-              </a:rPr>
-              <a:t>(</a:t>
-            </a:r>
-            <a:r>
-              <a:rPr lang="en-GB" sz="1400" b="1" dirty="0">
-                <a:solidFill>
-                  <a:schemeClr val="bg1"/>
-                </a:solidFill>
-                <a:effectLst/>
-                <a:latin typeface="Consolas" panose="020B0609020204030204" pitchFamily="49" charset="0"/>
-                <a:cs typeface="Consolas" panose="020B0609020204030204" pitchFamily="49" charset="0"/>
-              </a:rPr>
-              <a:t>user</a:t>
-            </a:r>
-            <a:r>
-              <a:rPr lang="en-GB" sz="1400" b="1" dirty="0">
-                <a:effectLst/>
-                <a:latin typeface="Consolas" panose="020B0609020204030204" pitchFamily="49" charset="0"/>
-                <a:cs typeface="Consolas" panose="020B0609020204030204" pitchFamily="49" charset="0"/>
-              </a:rPr>
-              <a:t>.</a:t>
-            </a:r>
-            <a:r>
-              <a:rPr lang="en-GB" sz="1400" b="1" dirty="0">
-                <a:solidFill>
-                  <a:schemeClr val="bg1"/>
-                </a:solidFill>
-                <a:effectLst/>
-                <a:latin typeface="Consolas" panose="020B0609020204030204" pitchFamily="49" charset="0"/>
-                <a:cs typeface="Consolas" panose="020B0609020204030204" pitchFamily="49" charset="0"/>
-              </a:rPr>
-              <a:t>PasswordHash</a:t>
-            </a:r>
-            <a:r>
-              <a:rPr lang="en-GB" sz="1400" b="1" dirty="0">
-                <a:effectLst/>
-                <a:latin typeface="Consolas" panose="020B0609020204030204" pitchFamily="49" charset="0"/>
-                <a:cs typeface="Consolas" panose="020B0609020204030204" pitchFamily="49" charset="0"/>
-              </a:rPr>
-              <a:t>);</a:t>
-            </a:r>
-          </a:p>
-          <a:p>
-            <a:r>
-              <a:rPr lang="en-GB" sz="1400" b="1" dirty="0">
-                <a:effectLst/>
-                <a:latin typeface="Consolas" panose="020B0609020204030204" pitchFamily="49" charset="0"/>
-                <a:cs typeface="Consolas" panose="020B0609020204030204" pitchFamily="49" charset="0"/>
-              </a:rPr>
-              <a:t>            dbContext.</a:t>
-            </a:r>
-            <a:r>
-              <a:rPr lang="en-GB" sz="1400" b="1" dirty="0">
-                <a:solidFill>
-                  <a:schemeClr val="bg1"/>
-                </a:solidFill>
-                <a:effectLst/>
-                <a:latin typeface="Consolas" panose="020B0609020204030204" pitchFamily="49" charset="0"/>
-                <a:cs typeface="Consolas" panose="020B0609020204030204" pitchFamily="49" charset="0"/>
-              </a:rPr>
-              <a:t>Users</a:t>
-            </a:r>
-            <a:r>
-              <a:rPr lang="en-GB" sz="1400" b="1" dirty="0">
-                <a:effectLst/>
-                <a:latin typeface="Consolas" panose="020B0609020204030204" pitchFamily="49" charset="0"/>
-                <a:cs typeface="Consolas" panose="020B0609020204030204" pitchFamily="49" charset="0"/>
-              </a:rPr>
-              <a:t>.</a:t>
-            </a:r>
-            <a:r>
-              <a:rPr lang="en-GB" sz="1400" b="1" dirty="0">
-                <a:solidFill>
-                  <a:schemeClr val="bg1"/>
-                </a:solidFill>
-                <a:effectLst/>
-                <a:latin typeface="Consolas" panose="020B0609020204030204" pitchFamily="49" charset="0"/>
-                <a:cs typeface="Consolas" panose="020B0609020204030204" pitchFamily="49" charset="0"/>
-              </a:rPr>
-              <a:t>Add</a:t>
-            </a:r>
-            <a:r>
-              <a:rPr lang="en-GB" sz="1400" b="1" dirty="0">
-                <a:effectLst/>
-                <a:latin typeface="Consolas" panose="020B0609020204030204" pitchFamily="49" charset="0"/>
-                <a:cs typeface="Consolas" panose="020B0609020204030204" pitchFamily="49" charset="0"/>
-              </a:rPr>
-              <a:t>(user);</a:t>
-            </a:r>
-          </a:p>
-          <a:p>
-            <a:r>
-              <a:rPr lang="en-GB" sz="1400" b="1" dirty="0">
-                <a:effectLst/>
-                <a:latin typeface="Consolas" panose="020B0609020204030204" pitchFamily="49" charset="0"/>
-                <a:cs typeface="Consolas" panose="020B0609020204030204" pitchFamily="49" charset="0"/>
-              </a:rPr>
-              <a:t>            dbContext.</a:t>
-            </a:r>
-            <a:r>
-              <a:rPr lang="en-GB" sz="1400" b="1" dirty="0">
-                <a:solidFill>
-                  <a:schemeClr val="bg1"/>
-                </a:solidFill>
-                <a:effectLst/>
-                <a:latin typeface="Consolas" panose="020B0609020204030204" pitchFamily="49" charset="0"/>
-                <a:cs typeface="Consolas" panose="020B0609020204030204" pitchFamily="49" charset="0"/>
-              </a:rPr>
-              <a:t>SaveChanges</a:t>
-            </a:r>
-            <a:r>
-              <a:rPr lang="en-GB" sz="1400" b="1" dirty="0">
-                <a:effectLst/>
-                <a:latin typeface="Consolas" panose="020B0609020204030204" pitchFamily="49" charset="0"/>
-                <a:cs typeface="Consolas" panose="020B0609020204030204" pitchFamily="49" charset="0"/>
-              </a:rPr>
-              <a:t>();</a:t>
-            </a:r>
           </a:p>
           <a:p>
             <a:r>
@@ -18545,8 +18679,8 @@
         </p:nvSpPr>
         <p:spPr>
           <a:xfrm>
-            <a:off x="291000" y="1254021"/>
-            <a:ext cx="11462030" cy="5401479"/>
+            <a:off x="291000" y="1167943"/>
+            <a:ext cx="11462030" cy="5632311"/>
           </a:xfrm>
           <a:prstGeom prst="rect">
             <a:avLst/>
@@ -18594,7 +18728,7 @@
                 <a:latin typeface="Consolas" panose="020B0609020204030204" pitchFamily="49" charset="0"/>
                 <a:cs typeface="Consolas" panose="020B0609020204030204" pitchFamily="49" charset="0"/>
               </a:rPr>
-              <a:t>    public static void </a:t>
+              <a:t>    public static bool </a:t>
             </a:r>
             <a:r>
               <a:rPr lang="en-GB" sz="1500" b="1" dirty="0">
@@ -18674,13 +18808,81 @@
               </a:rPr>
               <a:t> = dbContext.Users.FirstOrDefault(u =&gt; u.UserId == user.UserId);</a:t>
             </a:r>
-            <a:br>
+          </a:p>
+          <a:p>
+            <a:r>
+              <a:rPr lang="bg-BG" sz="1500" b="1" dirty="0">
+                <a:latin typeface="Consolas" panose="020B0609020204030204" pitchFamily="49" charset="0"/>
+                <a:cs typeface="Consolas" panose="020B0609020204030204" pitchFamily="49" charset="0"/>
+              </a:rPr>
+              <a:t>            </a:t>
+            </a:r>
+            <a:r>
               <a:rPr lang="en-GB" sz="1500" b="1" dirty="0">
                 <a:effectLst/>
                 <a:latin typeface="Consolas" panose="020B0609020204030204" pitchFamily="49" charset="0"/>
                 <a:cs typeface="Consolas" panose="020B0609020204030204" pitchFamily="49" charset="0"/>
               </a:rPr>
-            </a:br>
+              <a:t>if (</a:t>
+            </a:r>
+            <a:r>
+              <a:rPr lang="en-GB" sz="1500" b="1" dirty="0">
+                <a:solidFill>
+                  <a:schemeClr val="bg1"/>
+                </a:solidFill>
+                <a:effectLst/>
+                <a:latin typeface="Consolas" panose="020B0609020204030204" pitchFamily="49" charset="0"/>
+                <a:cs typeface="Consolas" panose="020B0609020204030204" pitchFamily="49" charset="0"/>
+              </a:rPr>
+              <a:t>updatedUser</a:t>
+            </a:r>
+            <a:r>
+              <a:rPr lang="en-GB" sz="1500" b="1" dirty="0">
+                <a:effectLst/>
+                <a:latin typeface="Consolas" panose="020B0609020204030204" pitchFamily="49" charset="0"/>
+                <a:cs typeface="Consolas" panose="020B0609020204030204" pitchFamily="49" charset="0"/>
+              </a:rPr>
+              <a:t> </a:t>
+            </a:r>
+            <a:r>
+              <a:rPr lang="en-GB" sz="1500" b="1" dirty="0">
+                <a:latin typeface="Consolas" panose="020B0609020204030204" pitchFamily="49" charset="0"/>
+                <a:cs typeface="Consolas" panose="020B0609020204030204" pitchFamily="49" charset="0"/>
+              </a:rPr>
+              <a:t>=</a:t>
+            </a:r>
+            <a:r>
+              <a:rPr lang="en-GB" sz="1500" b="1" dirty="0">
+                <a:effectLst/>
+                <a:latin typeface="Consolas" panose="020B0609020204030204" pitchFamily="49" charset="0"/>
+                <a:cs typeface="Consolas" panose="020B0609020204030204" pitchFamily="49" charset="0"/>
+              </a:rPr>
+              <a:t>= null) </a:t>
+            </a:r>
+            <a:r>
+              <a:rPr lang="en-GB" sz="1500" b="1" dirty="0">
+                <a:latin typeface="Consolas" panose="020B0609020204030204" pitchFamily="49" charset="0"/>
+                <a:cs typeface="Consolas" panose="020B0609020204030204" pitchFamily="49" charset="0"/>
+              </a:rPr>
+              <a:t>return </a:t>
+            </a:r>
+            <a:r>
+              <a:rPr lang="en-GB" sz="1500" b="1" dirty="0">
+                <a:solidFill>
+                  <a:schemeClr val="bg1"/>
+                </a:solidFill>
+                <a:latin typeface="Consolas" panose="020B0609020204030204" pitchFamily="49" charset="0"/>
+                <a:cs typeface="Consolas" panose="020B0609020204030204" pitchFamily="49" charset="0"/>
+              </a:rPr>
+              <a:t>false</a:t>
+            </a:r>
+            <a:r>
+              <a:rPr lang="en-GB" sz="1500" b="1" dirty="0">
+                <a:latin typeface="Consolas" panose="020B0609020204030204" pitchFamily="49" charset="0"/>
+                <a:cs typeface="Consolas" panose="020B0609020204030204" pitchFamily="49" charset="0"/>
+              </a:rPr>
+              <a:t>;</a:t>
+            </a:r>
             <a:endParaRPr lang="en-GB" sz="1500" b="1" dirty="0">
               <a:effectLst/>
               <a:latin typeface="Consolas" panose="020B0609020204030204" pitchFamily="49" charset="0"/>
@@ -18689,11 +18891,48 @@
           </a:p>
           <a:p>
             <a:r>
+              <a:rPr lang="en-GB" sz="1500" b="1" dirty="0">
+                <a:effectLst/>
+                <a:latin typeface="Consolas" panose="020B0609020204030204" pitchFamily="49" charset="0"/>
+                <a:cs typeface="Consolas" panose="020B0609020204030204" pitchFamily="49" charset="0"/>
+              </a:rPr>
+              <a:t>            if (dbContext.Users.Any(u =&gt; u.Username == user.Username))</a:t>
+            </a:r>
+          </a:p>
+          <a:p>
+            <a:r>
+              <a:rPr lang="en-GB" sz="1500" b="1" dirty="0">
+                <a:effectLst/>
+                <a:latin typeface="Consolas" panose="020B0609020204030204" pitchFamily="49" charset="0"/>
+                <a:cs typeface="Consolas" panose="020B0609020204030204" pitchFamily="49" charset="0"/>
+              </a:rPr>
+              <a:t>            {</a:t>
+            </a:r>
+          </a:p>
+          <a:p>
+            <a:r>
+              <a:rPr lang="en-GB" sz="1500" b="1" dirty="0">
+                <a:effectLst/>
+                <a:latin typeface="Consolas" panose="020B0609020204030204" pitchFamily="49" charset="0"/>
+                <a:cs typeface="Consolas" panose="020B0609020204030204" pitchFamily="49" charset="0"/>
+              </a:rPr>
+              <a:t>                MessageBox.Show("</a:t>
+            </a:r>
+            <a:r>
               <a:rPr lang="bg-BG" sz="1500" b="1" dirty="0">
-                <a:latin typeface="Consolas" panose="020B0609020204030204" pitchFamily="49" charset="0"/>
-                <a:cs typeface="Consolas" panose="020B0609020204030204" pitchFamily="49" charset="0"/>
-              </a:rPr>
-              <a:t>            </a:t>
+                <a:effectLst/>
+                <a:latin typeface="Consolas" panose="020B0609020204030204" pitchFamily="49" charset="0"/>
+                <a:cs typeface="Consolas" panose="020B0609020204030204" pitchFamily="49" charset="0"/>
+              </a:rPr>
+              <a:t>Потребител с това потребителско име вече съществува</a:t>
+            </a:r>
+            <a:r>
+              <a:rPr lang="en-US" sz="1500" b="1" dirty="0">
+                <a:effectLst/>
+                <a:latin typeface="Consolas" panose="020B0609020204030204" pitchFamily="49" charset="0"/>
+                <a:cs typeface="Consolas" panose="020B0609020204030204" pitchFamily="49" charset="0"/>
+              </a:rPr>
+              <a:t>.",...</a:t>
             </a:r>
             <a:r>
               <a:rPr lang="en-GB" sz="1500" b="1" dirty="0">
@@ -18701,6 +18940,197 @@
                 <a:latin typeface="Consolas" panose="020B0609020204030204" pitchFamily="49" charset="0"/>
                 <a:cs typeface="Consolas" panose="020B0609020204030204" pitchFamily="49" charset="0"/>
               </a:rPr>
+              <a:t>);</a:t>
+            </a:r>
+          </a:p>
+          <a:p>
+            <a:r>
+              <a:rPr lang="en-GB" sz="1500" b="1" dirty="0">
+                <a:effectLst/>
+                <a:latin typeface="Consolas" panose="020B0609020204030204" pitchFamily="49" charset="0"/>
+                <a:cs typeface="Consolas" panose="020B0609020204030204" pitchFamily="49" charset="0"/>
+              </a:rPr>
+              <a:t>                return </a:t>
+            </a:r>
+            <a:r>
+              <a:rPr lang="en-GB" sz="1500" b="1" dirty="0">
+                <a:solidFill>
+                  <a:schemeClr val="bg1"/>
+                </a:solidFill>
+                <a:effectLst/>
+                <a:latin typeface="Consolas" panose="020B0609020204030204" pitchFamily="49" charset="0"/>
+                <a:cs typeface="Consolas" panose="020B0609020204030204" pitchFamily="49" charset="0"/>
+              </a:rPr>
+              <a:t>false</a:t>
+            </a:r>
+            <a:r>
+              <a:rPr lang="en-GB" sz="1500" b="1" dirty="0">
+                <a:effectLst/>
+                <a:latin typeface="Consolas" panose="020B0609020204030204" pitchFamily="49" charset="0"/>
+                <a:cs typeface="Consolas" panose="020B0609020204030204" pitchFamily="49" charset="0"/>
+              </a:rPr>
+              <a:t>;</a:t>
+            </a:r>
+          </a:p>
+          <a:p>
+            <a:r>
+              <a:rPr lang="en-GB" sz="1500" b="1" dirty="0">
+                <a:effectLst/>
+                <a:latin typeface="Consolas" panose="020B0609020204030204" pitchFamily="49" charset="0"/>
+                <a:cs typeface="Consolas" panose="020B0609020204030204" pitchFamily="49" charset="0"/>
+              </a:rPr>
+              <a:t>            }</a:t>
+            </a:r>
+          </a:p>
+          <a:p>
+            <a:r>
+              <a:rPr lang="en-GB" sz="1500" b="1" dirty="0">
+                <a:effectLst/>
+                <a:latin typeface="Consolas" panose="020B0609020204030204" pitchFamily="49" charset="0"/>
+                <a:cs typeface="Consolas" panose="020B0609020204030204" pitchFamily="49" charset="0"/>
+              </a:rPr>
+              <a:t>            </a:t>
+            </a:r>
+            <a:r>
+              <a:rPr lang="en-GB" sz="1500" b="1" dirty="0">
+                <a:solidFill>
+                  <a:schemeClr val="bg1"/>
+                </a:solidFill>
+                <a:effectLst/>
+                <a:latin typeface="Consolas" panose="020B0609020204030204" pitchFamily="49" charset="0"/>
+                <a:cs typeface="Consolas" panose="020B0609020204030204" pitchFamily="49" charset="0"/>
+              </a:rPr>
+              <a:t>updatedUser</a:t>
+            </a:r>
+            <a:r>
+              <a:rPr lang="en-GB" sz="1500" b="1" dirty="0">
+                <a:effectLst/>
+                <a:latin typeface="Consolas" panose="020B0609020204030204" pitchFamily="49" charset="0"/>
+                <a:cs typeface="Consolas" panose="020B0609020204030204" pitchFamily="49" charset="0"/>
+              </a:rPr>
+              <a:t>.</a:t>
+            </a:r>
+            <a:r>
+              <a:rPr lang="en-GB" sz="1500" b="1" dirty="0">
+                <a:solidFill>
+                  <a:schemeClr val="bg1"/>
+                </a:solidFill>
+                <a:effectLst/>
+                <a:latin typeface="Consolas" panose="020B0609020204030204" pitchFamily="49" charset="0"/>
+                <a:cs typeface="Consolas" panose="020B0609020204030204" pitchFamily="49" charset="0"/>
+              </a:rPr>
+              <a:t>Username</a:t>
+            </a:r>
+            <a:r>
+              <a:rPr lang="en-GB" sz="1500" b="1" dirty="0">
+                <a:effectLst/>
+                <a:latin typeface="Consolas" panose="020B0609020204030204" pitchFamily="49" charset="0"/>
+                <a:cs typeface="Consolas" panose="020B0609020204030204" pitchFamily="49" charset="0"/>
+              </a:rPr>
+              <a:t> = </a:t>
+            </a:r>
+            <a:r>
+              <a:rPr lang="en-GB" sz="1500" b="1" dirty="0">
+                <a:solidFill>
+                  <a:schemeClr val="bg1"/>
+                </a:solidFill>
+                <a:effectLst/>
+                <a:latin typeface="Consolas" panose="020B0609020204030204" pitchFamily="49" charset="0"/>
+                <a:cs typeface="Consolas" panose="020B0609020204030204" pitchFamily="49" charset="0"/>
+              </a:rPr>
+              <a:t>user</a:t>
+            </a:r>
+            <a:r>
+              <a:rPr lang="en-GB" sz="1500" b="1" dirty="0">
+                <a:effectLst/>
+                <a:latin typeface="Consolas" panose="020B0609020204030204" pitchFamily="49" charset="0"/>
+                <a:cs typeface="Consolas" panose="020B0609020204030204" pitchFamily="49" charset="0"/>
+              </a:rPr>
+              <a:t>.</a:t>
+            </a:r>
+            <a:r>
+              <a:rPr lang="en-GB" sz="1500" b="1" dirty="0">
+                <a:solidFill>
+                  <a:schemeClr val="bg1"/>
+                </a:solidFill>
+                <a:effectLst/>
+                <a:latin typeface="Consolas" panose="020B0609020204030204" pitchFamily="49" charset="0"/>
+                <a:cs typeface="Consolas" panose="020B0609020204030204" pitchFamily="49" charset="0"/>
+              </a:rPr>
+              <a:t>Username</a:t>
+            </a:r>
+            <a:r>
+              <a:rPr lang="en-GB" sz="1500" b="1" dirty="0">
+                <a:effectLst/>
+                <a:latin typeface="Consolas" panose="020B0609020204030204" pitchFamily="49" charset="0"/>
+                <a:cs typeface="Consolas" panose="020B0609020204030204" pitchFamily="49" charset="0"/>
+              </a:rPr>
+              <a:t>;          </a:t>
+            </a:r>
+          </a:p>
+          <a:p>
+            <a:r>
+              <a:rPr lang="en-GB" sz="1500" b="1" dirty="0">
+                <a:effectLst/>
+                <a:latin typeface="Consolas" panose="020B0609020204030204" pitchFamily="49" charset="0"/>
+                <a:cs typeface="Consolas" panose="020B0609020204030204" pitchFamily="49" charset="0"/>
+              </a:rPr>
+              <a:t>     </a:t>
+            </a:r>
+            <a:r>
+              <a:rPr lang="bg-BG" sz="1500" b="1" dirty="0">
+                <a:effectLst/>
+                <a:latin typeface="Consolas" panose="020B0609020204030204" pitchFamily="49" charset="0"/>
+                <a:cs typeface="Consolas" panose="020B0609020204030204" pitchFamily="49" charset="0"/>
+              </a:rPr>
+              <a:t>      </a:t>
+            </a:r>
+            <a:r>
+              <a:rPr lang="en-US" sz="1500" b="1" dirty="0">
+                <a:effectLst/>
+                <a:latin typeface="Consolas" panose="020B0609020204030204" pitchFamily="49" charset="0"/>
+                <a:cs typeface="Consolas" panose="020B0609020204030204" pitchFamily="49" charset="0"/>
+              </a:rPr>
+              <a:t> </a:t>
+            </a:r>
+            <a:r>
+              <a:rPr lang="en-GB" sz="1500" b="1" dirty="0">
+                <a:solidFill>
+                  <a:schemeClr val="accent2"/>
+                </a:solidFill>
+                <a:effectLst/>
+                <a:latin typeface="Consolas" panose="020B0609020204030204" pitchFamily="49" charset="0"/>
+                <a:cs typeface="Consolas" panose="020B0609020204030204" pitchFamily="49" charset="0"/>
+              </a:rPr>
+              <a:t>// </a:t>
+            </a:r>
+            <a:r>
+              <a:rPr lang="bg-BG" sz="1500" b="1" dirty="0">
+                <a:solidFill>
+                  <a:schemeClr val="accent2"/>
+                </a:solidFill>
+                <a:effectLst/>
+                <a:latin typeface="Consolas" panose="020B0609020204030204" pitchFamily="49" charset="0"/>
+                <a:cs typeface="Consolas" panose="020B0609020204030204" pitchFamily="49" charset="0"/>
+              </a:rPr>
+              <a:t>Ако паролата е променена при редакция</a:t>
+            </a:r>
+          </a:p>
+          <a:p>
+            <a:r>
+              <a:rPr lang="bg-BG" sz="1500" b="1" dirty="0">
+                <a:effectLst/>
+                <a:latin typeface="Consolas" panose="020B0609020204030204" pitchFamily="49" charset="0"/>
+                <a:cs typeface="Consolas" panose="020B0609020204030204" pitchFamily="49" charset="0"/>
+              </a:rPr>
+              <a:t>            </a:t>
+            </a:r>
+            <a:r>
+              <a:rPr lang="en-GB" sz="1500" b="1" dirty="0">
+                <a:effectLst/>
+                <a:latin typeface="Consolas" panose="020B0609020204030204" pitchFamily="49" charset="0"/>
+                <a:cs typeface="Consolas" panose="020B0609020204030204" pitchFamily="49" charset="0"/>
+              </a:rPr>
               <a:t>if (</a:t>
             </a:r>
             <a:r>
@@ -18720,42 +19150,217 @@
                 <a:latin typeface="Consolas" panose="020B0609020204030204" pitchFamily="49" charset="0"/>
                 <a:cs typeface="Consolas" panose="020B0609020204030204" pitchFamily="49" charset="0"/>
               </a:rPr>
-              <a:t> != null)</a:t>
-            </a:r>
-          </a:p>
-          <a:p>
+              <a:t>.</a:t>
+            </a:r>
             <a:r>
               <a:rPr lang="en-GB" sz="1500" b="1" dirty="0">
-                <a:effectLst/>
-                <a:latin typeface="Consolas" panose="020B0609020204030204" pitchFamily="49" charset="0"/>
-                <a:cs typeface="Consolas" panose="020B0609020204030204" pitchFamily="49" charset="0"/>
-              </a:rPr>
-              <a:t> </a:t>
-            </a:r>
+                <a:solidFill>
+                  <a:schemeClr val="bg1"/>
+                </a:solidFill>
+                <a:effectLst/>
+                <a:latin typeface="Consolas" panose="020B0609020204030204" pitchFamily="49" charset="0"/>
+                <a:cs typeface="Consolas" panose="020B0609020204030204" pitchFamily="49" charset="0"/>
+              </a:rPr>
+              <a:t>PasswordHash</a:t>
+            </a:r>
+            <a:r>
+              <a:rPr lang="en-GB" sz="1500" b="1" dirty="0">
+                <a:effectLst/>
+                <a:latin typeface="Consolas" panose="020B0609020204030204" pitchFamily="49" charset="0"/>
+                <a:cs typeface="Consolas" panose="020B0609020204030204" pitchFamily="49" charset="0"/>
+              </a:rPr>
+              <a:t> != </a:t>
+            </a:r>
+            <a:r>
+              <a:rPr lang="en-GB" sz="1500" b="1" dirty="0">
+                <a:solidFill>
+                  <a:schemeClr val="bg1"/>
+                </a:solidFill>
+                <a:effectLst/>
+                <a:latin typeface="Consolas" panose="020B0609020204030204" pitchFamily="49" charset="0"/>
+                <a:cs typeface="Consolas" panose="020B0609020204030204" pitchFamily="49" charset="0"/>
+              </a:rPr>
+              <a:t>user</a:t>
+            </a:r>
+            <a:r>
+              <a:rPr lang="en-GB" sz="1500" b="1" dirty="0">
+                <a:effectLst/>
+                <a:latin typeface="Consolas" panose="020B0609020204030204" pitchFamily="49" charset="0"/>
+                <a:cs typeface="Consolas" panose="020B0609020204030204" pitchFamily="49" charset="0"/>
+              </a:rPr>
+              <a:t>.</a:t>
+            </a:r>
+            <a:r>
+              <a:rPr lang="en-GB" sz="1500" b="1" dirty="0">
+                <a:solidFill>
+                  <a:schemeClr val="bg1"/>
+                </a:solidFill>
+                <a:effectLst/>
+                <a:latin typeface="Consolas" panose="020B0609020204030204" pitchFamily="49" charset="0"/>
+                <a:cs typeface="Consolas" panose="020B0609020204030204" pitchFamily="49" charset="0"/>
+              </a:rPr>
+              <a:t>PasswordHash</a:t>
+            </a:r>
+            <a:r>
+              <a:rPr lang="en-GB" sz="1500" b="1" dirty="0">
+                <a:effectLst/>
+                <a:latin typeface="Consolas" panose="020B0609020204030204" pitchFamily="49" charset="0"/>
+                <a:cs typeface="Consolas" panose="020B0609020204030204" pitchFamily="49" charset="0"/>
+              </a:rPr>
+              <a:t>)</a:t>
+            </a:r>
+          </a:p>
+          <a:p>
+            <a:r>
+              <a:rPr lang="en-GB" sz="1500" b="1" dirty="0">
+                <a:effectLst/>
+                <a:latin typeface="Consolas" panose="020B0609020204030204" pitchFamily="49" charset="0"/>
+                <a:cs typeface="Consolas" panose="020B0609020204030204" pitchFamily="49" charset="0"/>
+              </a:rPr>
+              <a:t>            {</a:t>
+            </a:r>
+          </a:p>
+          <a:p>
             <a:r>
               <a:rPr lang="bg-BG" sz="1500" b="1" dirty="0">
                 <a:effectLst/>
                 <a:latin typeface="Consolas" panose="020B0609020204030204" pitchFamily="49" charset="0"/>
                 <a:cs typeface="Consolas" panose="020B0609020204030204" pitchFamily="49" charset="0"/>
               </a:rPr>
-              <a:t>           </a:t>
+              <a:t>               </a:t>
             </a:r>
             <a:r>
               <a:rPr lang="en-GB" sz="1500" b="1" dirty="0">
-                <a:effectLst/>
-                <a:latin typeface="Consolas" panose="020B0609020204030204" pitchFamily="49" charset="0"/>
-                <a:cs typeface="Consolas" panose="020B0609020204030204" pitchFamily="49" charset="0"/>
-              </a:rPr>
-              <a:t>{</a:t>
-            </a:r>
-          </a:p>
-          <a:p>
+                <a:solidFill>
+                  <a:schemeClr val="bg1"/>
+                </a:solidFill>
+                <a:effectLst/>
+                <a:latin typeface="Consolas" panose="020B0609020204030204" pitchFamily="49" charset="0"/>
+                <a:cs typeface="Consolas" panose="020B0609020204030204" pitchFamily="49" charset="0"/>
+              </a:rPr>
+              <a:t>updatedUser</a:t>
+            </a:r>
             <a:r>
               <a:rPr lang="en-GB" sz="1500" b="1" dirty="0">
                 <a:effectLst/>
                 <a:latin typeface="Consolas" panose="020B0609020204030204" pitchFamily="49" charset="0"/>
                 <a:cs typeface="Consolas" panose="020B0609020204030204" pitchFamily="49" charset="0"/>
               </a:rPr>
+              <a:t>.</a:t>
+            </a:r>
+            <a:r>
+              <a:rPr lang="en-GB" sz="1500" b="1" dirty="0">
+                <a:solidFill>
+                  <a:schemeClr val="bg1"/>
+                </a:solidFill>
+                <a:effectLst/>
+                <a:latin typeface="Consolas" panose="020B0609020204030204" pitchFamily="49" charset="0"/>
+                <a:cs typeface="Consolas" panose="020B0609020204030204" pitchFamily="49" charset="0"/>
+              </a:rPr>
+              <a:t>PasswordHash</a:t>
+            </a:r>
+            <a:r>
+              <a:rPr lang="en-GB" sz="1500" b="1" dirty="0">
+                <a:effectLst/>
+                <a:latin typeface="Consolas" panose="020B0609020204030204" pitchFamily="49" charset="0"/>
+                <a:cs typeface="Consolas" panose="020B0609020204030204" pitchFamily="49" charset="0"/>
+              </a:rPr>
+              <a:t> = </a:t>
+            </a:r>
+            <a:r>
+              <a:rPr lang="en-GB" sz="1500" b="1" dirty="0">
+                <a:solidFill>
+                  <a:schemeClr val="bg1"/>
+                </a:solidFill>
+                <a:effectLst/>
+                <a:latin typeface="Consolas" panose="020B0609020204030204" pitchFamily="49" charset="0"/>
+                <a:cs typeface="Consolas" panose="020B0609020204030204" pitchFamily="49" charset="0"/>
+              </a:rPr>
+              <a:t>PasswordHelper</a:t>
+            </a:r>
+            <a:r>
+              <a:rPr lang="en-GB" sz="1500" b="1" dirty="0">
+                <a:effectLst/>
+                <a:latin typeface="Consolas" panose="020B0609020204030204" pitchFamily="49" charset="0"/>
+                <a:cs typeface="Consolas" panose="020B0609020204030204" pitchFamily="49" charset="0"/>
+              </a:rPr>
+              <a:t>.</a:t>
+            </a:r>
+            <a:r>
+              <a:rPr lang="en-GB" sz="1500" b="1" dirty="0">
+                <a:solidFill>
+                  <a:schemeClr val="bg1"/>
+                </a:solidFill>
+                <a:effectLst/>
+                <a:latin typeface="Consolas" panose="020B0609020204030204" pitchFamily="49" charset="0"/>
+                <a:cs typeface="Consolas" panose="020B0609020204030204" pitchFamily="49" charset="0"/>
+              </a:rPr>
+              <a:t>HashPassword</a:t>
+            </a:r>
+            <a:r>
+              <a:rPr lang="en-GB" sz="1500" b="1" dirty="0">
+                <a:effectLst/>
+                <a:latin typeface="Consolas" panose="020B0609020204030204" pitchFamily="49" charset="0"/>
+                <a:cs typeface="Consolas" panose="020B0609020204030204" pitchFamily="49" charset="0"/>
+              </a:rPr>
+              <a:t>(</a:t>
+            </a:r>
+            <a:r>
+              <a:rPr lang="en-GB" sz="1500" b="1" dirty="0">
+                <a:solidFill>
+                  <a:schemeClr val="bg1"/>
+                </a:solidFill>
+                <a:effectLst/>
+                <a:latin typeface="Consolas" panose="020B0609020204030204" pitchFamily="49" charset="0"/>
+                <a:cs typeface="Consolas" panose="020B0609020204030204" pitchFamily="49" charset="0"/>
+              </a:rPr>
+              <a:t>user</a:t>
+            </a:r>
+            <a:r>
+              <a:rPr lang="en-GB" sz="1500" b="1" dirty="0">
+                <a:effectLst/>
+                <a:latin typeface="Consolas" panose="020B0609020204030204" pitchFamily="49" charset="0"/>
+                <a:cs typeface="Consolas" panose="020B0609020204030204" pitchFamily="49" charset="0"/>
+              </a:rPr>
+              <a:t>.</a:t>
+            </a:r>
+            <a:r>
+              <a:rPr lang="en-GB" sz="1500" b="1" dirty="0">
+                <a:solidFill>
+                  <a:schemeClr val="bg1"/>
+                </a:solidFill>
+                <a:effectLst/>
+                <a:latin typeface="Consolas" panose="020B0609020204030204" pitchFamily="49" charset="0"/>
+                <a:cs typeface="Consolas" panose="020B0609020204030204" pitchFamily="49" charset="0"/>
+              </a:rPr>
+              <a:t>PasswordHash</a:t>
+            </a:r>
+            <a:r>
+              <a:rPr lang="en-GB" sz="1500" b="1" dirty="0">
+                <a:effectLst/>
+                <a:latin typeface="Consolas" panose="020B0609020204030204" pitchFamily="49" charset="0"/>
+                <a:cs typeface="Consolas" panose="020B0609020204030204" pitchFamily="49" charset="0"/>
+              </a:rPr>
+              <a:t>);</a:t>
+            </a:r>
+          </a:p>
+          <a:p>
+            <a:r>
+              <a:rPr lang="en-GB" sz="1500" b="1" dirty="0">
+                <a:effectLst/>
+                <a:latin typeface="Consolas" panose="020B0609020204030204" pitchFamily="49" charset="0"/>
+                <a:cs typeface="Consolas" panose="020B0609020204030204" pitchFamily="49" charset="0"/>
+              </a:rPr>
+              <a:t>            }</a:t>
+            </a:r>
+          </a:p>
+          <a:p>
+            <a:r>
+              <a:rPr lang="en-GB" sz="1500" b="1" dirty="0">
+                <a:effectLst/>
+                <a:latin typeface="Consolas" panose="020B0609020204030204" pitchFamily="49" charset="0"/>
+                <a:cs typeface="Consolas" panose="020B0609020204030204" pitchFamily="49" charset="0"/>
+              </a:rPr>
               <a:t>     </a:t>
             </a:r>
             <a:r>
@@ -18764,10 +19369,18 @@
                 <a:latin typeface="Consolas" panose="020B0609020204030204" pitchFamily="49" charset="0"/>
                 <a:cs typeface="Consolas" panose="020B0609020204030204" pitchFamily="49" charset="0"/>
               </a:rPr>
-              <a:t>           </a:t>
+              <a:t>       </a:t>
             </a:r>
             <a:r>
               <a:rPr lang="en-GB" sz="1500" b="1" dirty="0">
+                <a:effectLst/>
+                <a:latin typeface="Consolas" panose="020B0609020204030204" pitchFamily="49" charset="0"/>
+                <a:cs typeface="Consolas" panose="020B0609020204030204" pitchFamily="49" charset="0"/>
+              </a:rPr>
+              <a:t>dbContext.</a:t>
+            </a:r>
+            <a:r>
+              <a:rPr lang="en-GB" sz="1500" b="1" dirty="0">
                 <a:solidFill>
                   <a:schemeClr val="bg1"/>
                 </a:solidFill>
@@ -18775,7 +19388,7 @@
                 <a:latin typeface="Consolas" panose="020B0609020204030204" pitchFamily="49" charset="0"/>
                 <a:cs typeface="Consolas" panose="020B0609020204030204" pitchFamily="49" charset="0"/>
               </a:rPr>
-              <a:t>updatedUser</a:t>
+              <a:t>SaveChanges</a:t>
             </a:r>
             <a:r>
               <a:rPr lang="en-GB" sz="1500" b="1" dirty="0">
@@ -18783,406 +19396,47 @@
                 <a:latin typeface="Consolas" panose="020B0609020204030204" pitchFamily="49" charset="0"/>
                 <a:cs typeface="Consolas" panose="020B0609020204030204" pitchFamily="49" charset="0"/>
               </a:rPr>
-              <a:t>.</a:t>
-            </a:r>
+              <a:t>();</a:t>
+            </a:r>
+          </a:p>
+          <a:p>
             <a:r>
               <a:rPr lang="en-GB" sz="1500" b="1" dirty="0">
+                <a:effectLst/>
+                <a:latin typeface="Consolas" panose="020B0609020204030204" pitchFamily="49" charset="0"/>
+                <a:cs typeface="Consolas" panose="020B0609020204030204" pitchFamily="49" charset="0"/>
+              </a:rPr>
+              <a:t>            r</a:t>
+            </a:r>
+            <a:r>
+              <a:rPr lang="en-GB" sz="1500" b="1" dirty="0">
+                <a:latin typeface="Consolas" panose="020B0609020204030204" pitchFamily="49" charset="0"/>
+                <a:cs typeface="Consolas" panose="020B0609020204030204" pitchFamily="49" charset="0"/>
+              </a:rPr>
+              <a:t>eturn </a:t>
+            </a:r>
+            <a:r>
+              <a:rPr lang="en-GB" sz="1500" b="1" dirty="0">
                 <a:solidFill>
                   <a:schemeClr val="bg1"/>
                 </a:solidFill>
-                <a:effectLst/>
-                <a:latin typeface="Consolas" panose="020B0609020204030204" pitchFamily="49" charset="0"/>
-                <a:cs typeface="Consolas" panose="020B0609020204030204" pitchFamily="49" charset="0"/>
-              </a:rPr>
-              <a:t>Username</a:t>
+                <a:latin typeface="Consolas" panose="020B0609020204030204" pitchFamily="49" charset="0"/>
+                <a:cs typeface="Consolas" panose="020B0609020204030204" pitchFamily="49" charset="0"/>
+              </a:rPr>
+              <a:t>true</a:t>
             </a:r>
             <a:r>
               <a:rPr lang="en-GB" sz="1500" b="1" dirty="0">
-                <a:effectLst/>
-                <a:latin typeface="Consolas" panose="020B0609020204030204" pitchFamily="49" charset="0"/>
-                <a:cs typeface="Consolas" panose="020B0609020204030204" pitchFamily="49" charset="0"/>
-              </a:rPr>
-              <a:t> = user.Username;</a:t>
-            </a:r>
-          </a:p>
-          <a:p>
-            <a:r>
-              <a:rPr lang="en-GB" sz="1500" b="1" dirty="0">
-                <a:effectLst/>
-                <a:latin typeface="Consolas" panose="020B0609020204030204" pitchFamily="49" charset="0"/>
-                <a:cs typeface="Consolas" panose="020B0609020204030204" pitchFamily="49" charset="0"/>
-              </a:rPr>
-              <a:t>             </a:t>
-            </a:r>
-          </a:p>
-          <a:p>
-            <a:r>
-              <a:rPr lang="en-GB" sz="1500" b="1" dirty="0">
-                <a:effectLst/>
-                <a:latin typeface="Consolas" panose="020B0609020204030204" pitchFamily="49" charset="0"/>
-                <a:cs typeface="Consolas" panose="020B0609020204030204" pitchFamily="49" charset="0"/>
-              </a:rPr>
-              <a:t>     </a:t>
-            </a:r>
-            <a:r>
-              <a:rPr lang="bg-BG" sz="1500" b="1" dirty="0">
-                <a:effectLst/>
-                <a:latin typeface="Consolas" panose="020B0609020204030204" pitchFamily="49" charset="0"/>
-                <a:cs typeface="Consolas" panose="020B0609020204030204" pitchFamily="49" charset="0"/>
-              </a:rPr>
-              <a:t>           </a:t>
-            </a:r>
-            <a:r>
-              <a:rPr lang="en-GB" sz="1500" b="1" dirty="0">
-                <a:solidFill>
-                  <a:schemeClr val="accent2"/>
-                </a:solidFill>
-                <a:effectLst/>
-                <a:latin typeface="Consolas" panose="020B0609020204030204" pitchFamily="49" charset="0"/>
-                <a:cs typeface="Consolas" panose="020B0609020204030204" pitchFamily="49" charset="0"/>
-              </a:rPr>
-              <a:t>// </a:t>
-            </a:r>
-            <a:r>
-              <a:rPr lang="bg-BG" sz="1500" b="1" dirty="0">
-                <a:solidFill>
-                  <a:schemeClr val="accent2"/>
-                </a:solidFill>
-                <a:effectLst/>
-                <a:latin typeface="Consolas" panose="020B0609020204030204" pitchFamily="49" charset="0"/>
-                <a:cs typeface="Consolas" panose="020B0609020204030204" pitchFamily="49" charset="0"/>
-              </a:rPr>
-              <a:t>Ако паролата е променена при редакция</a:t>
-            </a:r>
-          </a:p>
-          <a:p>
-            <a:r>
-              <a:rPr lang="bg-BG" sz="1500" b="1" dirty="0">
-                <a:effectLst/>
-                <a:latin typeface="Consolas" panose="020B0609020204030204" pitchFamily="49" charset="0"/>
-                <a:cs typeface="Consolas" panose="020B0609020204030204" pitchFamily="49" charset="0"/>
-              </a:rPr>
-              <a:t>                </a:t>
-            </a:r>
-            <a:r>
-              <a:rPr lang="en-GB" sz="1500" b="1" dirty="0">
-                <a:effectLst/>
-                <a:latin typeface="Consolas" panose="020B0609020204030204" pitchFamily="49" charset="0"/>
-                <a:cs typeface="Consolas" panose="020B0609020204030204" pitchFamily="49" charset="0"/>
-              </a:rPr>
-              <a:t>if (</a:t>
-            </a:r>
-            <a:r>
-              <a:rPr lang="en-GB" sz="1500" b="1" dirty="0">
-                <a:solidFill>
-                  <a:schemeClr val="bg1"/>
-                </a:solidFill>
-                <a:effectLst/>
-                <a:latin typeface="Consolas" panose="020B0609020204030204" pitchFamily="49" charset="0"/>
-                <a:cs typeface="Consolas" panose="020B0609020204030204" pitchFamily="49" charset="0"/>
-              </a:rPr>
-              <a:t>updatedUser</a:t>
-            </a:r>
-            <a:r>
-              <a:rPr lang="en-GB" sz="1500" b="1" dirty="0">
-                <a:effectLst/>
-                <a:latin typeface="Consolas" panose="020B0609020204030204" pitchFamily="49" charset="0"/>
-                <a:cs typeface="Consolas" panose="020B0609020204030204" pitchFamily="49" charset="0"/>
-              </a:rPr>
-              <a:t>.</a:t>
-            </a:r>
-            <a:r>
-              <a:rPr lang="en-GB" sz="1500" b="1" dirty="0">
-                <a:solidFill>
-                  <a:schemeClr val="bg1"/>
-                </a:solidFill>
-                <a:effectLst/>
-                <a:latin typeface="Consolas" panose="020B0609020204030204" pitchFamily="49" charset="0"/>
-                <a:cs typeface="Consolas" panose="020B0609020204030204" pitchFamily="49" charset="0"/>
-              </a:rPr>
-              <a:t>PasswordHash</a:t>
-            </a:r>
-            <a:r>
-              <a:rPr lang="en-GB" sz="1500" b="1" dirty="0">
-                <a:effectLst/>
-                <a:latin typeface="Consolas" panose="020B0609020204030204" pitchFamily="49" charset="0"/>
-                <a:cs typeface="Consolas" panose="020B0609020204030204" pitchFamily="49" charset="0"/>
-              </a:rPr>
-              <a:t> != user.PasswordHash)</a:t>
-            </a:r>
-          </a:p>
-          <a:p>
-            <a:r>
-              <a:rPr lang="en-GB" sz="1500" b="1" dirty="0">
-                <a:effectLst/>
-                <a:latin typeface="Consolas" panose="020B0609020204030204" pitchFamily="49" charset="0"/>
-                <a:cs typeface="Consolas" panose="020B0609020204030204" pitchFamily="49" charset="0"/>
-              </a:rPr>
-              <a:t>     </a:t>
-            </a:r>
-            <a:r>
-              <a:rPr lang="bg-BG" sz="1500" b="1" dirty="0">
-                <a:effectLst/>
-                <a:latin typeface="Consolas" panose="020B0609020204030204" pitchFamily="49" charset="0"/>
-                <a:cs typeface="Consolas" panose="020B0609020204030204" pitchFamily="49" charset="0"/>
-              </a:rPr>
-              <a:t>           </a:t>
-            </a:r>
-            <a:r>
-              <a:rPr lang="en-GB" sz="1500" b="1" dirty="0">
-                <a:effectLst/>
-                <a:latin typeface="Consolas" panose="020B0609020204030204" pitchFamily="49" charset="0"/>
-                <a:cs typeface="Consolas" panose="020B0609020204030204" pitchFamily="49" charset="0"/>
-              </a:rPr>
-              <a:t>{</a:t>
-            </a:r>
-          </a:p>
-          <a:p>
-            <a:r>
-              <a:rPr lang="en-GB" sz="1500" b="1" dirty="0">
-                <a:effectLst/>
-                <a:latin typeface="Consolas" panose="020B0609020204030204" pitchFamily="49" charset="0"/>
-                <a:cs typeface="Consolas" panose="020B0609020204030204" pitchFamily="49" charset="0"/>
-              </a:rPr>
-              <a:t>         </a:t>
-            </a:r>
-            <a:r>
-              <a:rPr lang="bg-BG" sz="1500" b="1" dirty="0">
-                <a:effectLst/>
-                <a:latin typeface="Consolas" panose="020B0609020204030204" pitchFamily="49" charset="0"/>
-                <a:cs typeface="Consolas" panose="020B0609020204030204" pitchFamily="49" charset="0"/>
-              </a:rPr>
-              <a:t>           </a:t>
-            </a:r>
-            <a:r>
-              <a:rPr lang="en-GB" sz="1500" b="1" dirty="0">
-                <a:solidFill>
-                  <a:schemeClr val="accent2"/>
-                </a:solidFill>
-                <a:effectLst/>
-                <a:latin typeface="Consolas" panose="020B0609020204030204" pitchFamily="49" charset="0"/>
-                <a:cs typeface="Consolas" panose="020B0609020204030204" pitchFamily="49" charset="0"/>
-              </a:rPr>
-              <a:t>// </a:t>
-            </a:r>
-            <a:r>
-              <a:rPr lang="bg-BG" sz="1500" b="1" dirty="0">
-                <a:solidFill>
-                  <a:schemeClr val="accent2"/>
-                </a:solidFill>
-                <a:effectLst/>
-                <a:latin typeface="Consolas" panose="020B0609020204030204" pitchFamily="49" charset="0"/>
-                <a:cs typeface="Consolas" panose="020B0609020204030204" pitchFamily="49" charset="0"/>
-              </a:rPr>
-              <a:t>Хеширане на новата парола</a:t>
-            </a:r>
-          </a:p>
-          <a:p>
-            <a:r>
-              <a:rPr lang="bg-BG" sz="1500" b="1" dirty="0">
-                <a:effectLst/>
-                <a:latin typeface="Consolas" panose="020B0609020204030204" pitchFamily="49" charset="0"/>
-                <a:cs typeface="Consolas" panose="020B0609020204030204" pitchFamily="49" charset="0"/>
-              </a:rPr>
-              <a:t>                    </a:t>
-            </a:r>
-            <a:r>
-              <a:rPr lang="en-GB" sz="1500" b="1" dirty="0">
-                <a:solidFill>
-                  <a:schemeClr val="bg1"/>
-                </a:solidFill>
-                <a:effectLst/>
-                <a:latin typeface="Consolas" panose="020B0609020204030204" pitchFamily="49" charset="0"/>
-                <a:cs typeface="Consolas" panose="020B0609020204030204" pitchFamily="49" charset="0"/>
-              </a:rPr>
-              <a:t>updatedUser</a:t>
-            </a:r>
-            <a:r>
-              <a:rPr lang="en-GB" sz="1500" b="1" dirty="0">
-                <a:effectLst/>
-                <a:latin typeface="Consolas" panose="020B0609020204030204" pitchFamily="49" charset="0"/>
-                <a:cs typeface="Consolas" panose="020B0609020204030204" pitchFamily="49" charset="0"/>
-              </a:rPr>
-              <a:t>.</a:t>
-            </a:r>
-            <a:r>
-              <a:rPr lang="en-GB" sz="1500" b="1" dirty="0">
-                <a:solidFill>
-                  <a:schemeClr val="bg1"/>
-                </a:solidFill>
-                <a:effectLst/>
-                <a:latin typeface="Consolas" panose="020B0609020204030204" pitchFamily="49" charset="0"/>
-                <a:cs typeface="Consolas" panose="020B0609020204030204" pitchFamily="49" charset="0"/>
-              </a:rPr>
-              <a:t>PasswordHash</a:t>
-            </a:r>
-            <a:r>
-              <a:rPr lang="en-GB" sz="1500" b="1" dirty="0">
-                <a:effectLst/>
-                <a:latin typeface="Consolas" panose="020B0609020204030204" pitchFamily="49" charset="0"/>
-                <a:cs typeface="Consolas" panose="020B0609020204030204" pitchFamily="49" charset="0"/>
-              </a:rPr>
-              <a:t> = </a:t>
-            </a:r>
-            <a:r>
-              <a:rPr lang="en-GB" sz="1500" b="1" dirty="0">
-                <a:solidFill>
-                  <a:schemeClr val="bg1"/>
-                </a:solidFill>
-                <a:effectLst/>
-                <a:latin typeface="Consolas" panose="020B0609020204030204" pitchFamily="49" charset="0"/>
-                <a:cs typeface="Consolas" panose="020B0609020204030204" pitchFamily="49" charset="0"/>
-              </a:rPr>
-              <a:t>PasswordHelper</a:t>
-            </a:r>
-            <a:r>
-              <a:rPr lang="en-GB" sz="1500" b="1" dirty="0">
-                <a:effectLst/>
-                <a:latin typeface="Consolas" panose="020B0609020204030204" pitchFamily="49" charset="0"/>
-                <a:cs typeface="Consolas" panose="020B0609020204030204" pitchFamily="49" charset="0"/>
-              </a:rPr>
-              <a:t>.</a:t>
-            </a:r>
-            <a:r>
-              <a:rPr lang="en-GB" sz="1500" b="1" dirty="0">
-                <a:solidFill>
-                  <a:schemeClr val="bg1"/>
-                </a:solidFill>
-                <a:effectLst/>
-                <a:latin typeface="Consolas" panose="020B0609020204030204" pitchFamily="49" charset="0"/>
-                <a:cs typeface="Consolas" panose="020B0609020204030204" pitchFamily="49" charset="0"/>
-              </a:rPr>
-              <a:t>HashPassword</a:t>
-            </a:r>
-            <a:r>
-              <a:rPr lang="en-GB" sz="1500" b="1" dirty="0">
-                <a:effectLst/>
-                <a:latin typeface="Consolas" panose="020B0609020204030204" pitchFamily="49" charset="0"/>
-                <a:cs typeface="Consolas" panose="020B0609020204030204" pitchFamily="49" charset="0"/>
-              </a:rPr>
-              <a:t>(</a:t>
-            </a:r>
-            <a:r>
-              <a:rPr lang="en-GB" sz="1500" b="1" dirty="0">
-                <a:solidFill>
-                  <a:schemeClr val="bg1"/>
-                </a:solidFill>
-                <a:effectLst/>
-                <a:latin typeface="Consolas" panose="020B0609020204030204" pitchFamily="49" charset="0"/>
-                <a:cs typeface="Consolas" panose="020B0609020204030204" pitchFamily="49" charset="0"/>
-              </a:rPr>
-              <a:t>user</a:t>
-            </a:r>
-            <a:r>
-              <a:rPr lang="en-GB" sz="1500" b="1" dirty="0">
-                <a:effectLst/>
-                <a:latin typeface="Consolas" panose="020B0609020204030204" pitchFamily="49" charset="0"/>
-                <a:cs typeface="Consolas" panose="020B0609020204030204" pitchFamily="49" charset="0"/>
-              </a:rPr>
-              <a:t>.</a:t>
-            </a:r>
-            <a:r>
-              <a:rPr lang="en-GB" sz="1500" b="1" dirty="0">
-                <a:solidFill>
-                  <a:schemeClr val="bg1"/>
-                </a:solidFill>
-                <a:effectLst/>
-                <a:latin typeface="Consolas" panose="020B0609020204030204" pitchFamily="49" charset="0"/>
-                <a:cs typeface="Consolas" panose="020B0609020204030204" pitchFamily="49" charset="0"/>
-              </a:rPr>
-              <a:t>PasswordHash</a:t>
-            </a:r>
-            <a:r>
-              <a:rPr lang="en-GB" sz="1500" b="1" dirty="0">
-                <a:effectLst/>
-                <a:latin typeface="Consolas" panose="020B0609020204030204" pitchFamily="49" charset="0"/>
-                <a:cs typeface="Consolas" panose="020B0609020204030204" pitchFamily="49" charset="0"/>
-              </a:rPr>
-              <a:t>);</a:t>
-            </a:r>
-          </a:p>
-          <a:p>
-            <a:r>
-              <a:rPr lang="en-GB" sz="1500" b="1" dirty="0">
-                <a:effectLst/>
-                <a:latin typeface="Consolas" panose="020B0609020204030204" pitchFamily="49" charset="0"/>
-                <a:cs typeface="Consolas" panose="020B0609020204030204" pitchFamily="49" charset="0"/>
-              </a:rPr>
-              <a:t>     </a:t>
-            </a:r>
-            <a:r>
-              <a:rPr lang="bg-BG" sz="1500" b="1" dirty="0">
-                <a:effectLst/>
-                <a:latin typeface="Consolas" panose="020B0609020204030204" pitchFamily="49" charset="0"/>
-                <a:cs typeface="Consolas" panose="020B0609020204030204" pitchFamily="49" charset="0"/>
-              </a:rPr>
-              <a:t>           </a:t>
-            </a:r>
-            <a:r>
-              <a:rPr lang="en-GB" sz="1500" b="1" dirty="0">
-                <a:effectLst/>
-                <a:latin typeface="Consolas" panose="020B0609020204030204" pitchFamily="49" charset="0"/>
-                <a:cs typeface="Consolas" panose="020B0609020204030204" pitchFamily="49" charset="0"/>
-              </a:rPr>
-              <a:t>}</a:t>
-            </a:r>
-            <a:endParaRPr lang="bg-BG" sz="1500" b="1" dirty="0">
-              <a:effectLst/>
-              <a:latin typeface="Consolas" panose="020B0609020204030204" pitchFamily="49" charset="0"/>
-              <a:cs typeface="Consolas" panose="020B0609020204030204" pitchFamily="49" charset="0"/>
-            </a:endParaRPr>
-          </a:p>
-          <a:p>
+                <a:latin typeface="Consolas" panose="020B0609020204030204" pitchFamily="49" charset="0"/>
+                <a:cs typeface="Consolas" panose="020B0609020204030204" pitchFamily="49" charset="0"/>
+              </a:rPr>
+              <a:t>;</a:t>
+            </a:r>
             <a:endParaRPr lang="en-GB" sz="1500" b="1" dirty="0">
               <a:effectLst/>
               <a:latin typeface="Consolas" panose="020B0609020204030204" pitchFamily="49" charset="0"/>
               <a:cs typeface="Consolas" panose="020B0609020204030204" pitchFamily="49" charset="0"/>
             </a:endParaRPr>
-          </a:p>
-          <a:p>
-            <a:r>
-              <a:rPr lang="en-GB" sz="1500" b="1" dirty="0">
-                <a:effectLst/>
-                <a:latin typeface="Consolas" panose="020B0609020204030204" pitchFamily="49" charset="0"/>
-                <a:cs typeface="Consolas" panose="020B0609020204030204" pitchFamily="49" charset="0"/>
-              </a:rPr>
-              <a:t>     </a:t>
-            </a:r>
-            <a:r>
-              <a:rPr lang="bg-BG" sz="1500" b="1" dirty="0">
-                <a:effectLst/>
-                <a:latin typeface="Consolas" panose="020B0609020204030204" pitchFamily="49" charset="0"/>
-                <a:cs typeface="Consolas" panose="020B0609020204030204" pitchFamily="49" charset="0"/>
-              </a:rPr>
-              <a:t>           </a:t>
-            </a:r>
-            <a:r>
-              <a:rPr lang="en-GB" sz="1500" b="1" dirty="0">
-                <a:effectLst/>
-                <a:latin typeface="Consolas" panose="020B0609020204030204" pitchFamily="49" charset="0"/>
-                <a:cs typeface="Consolas" panose="020B0609020204030204" pitchFamily="49" charset="0"/>
-              </a:rPr>
-              <a:t>dbContext.</a:t>
-            </a:r>
-            <a:r>
-              <a:rPr lang="en-GB" sz="1500" b="1" dirty="0">
-                <a:solidFill>
-                  <a:schemeClr val="bg1"/>
-                </a:solidFill>
-                <a:effectLst/>
-                <a:latin typeface="Consolas" panose="020B0609020204030204" pitchFamily="49" charset="0"/>
-                <a:cs typeface="Consolas" panose="020B0609020204030204" pitchFamily="49" charset="0"/>
-              </a:rPr>
-              <a:t>SaveChanges</a:t>
-            </a:r>
-            <a:r>
-              <a:rPr lang="en-GB" sz="1500" b="1" dirty="0">
-                <a:effectLst/>
-                <a:latin typeface="Consolas" panose="020B0609020204030204" pitchFamily="49" charset="0"/>
-                <a:cs typeface="Consolas" panose="020B0609020204030204" pitchFamily="49" charset="0"/>
-              </a:rPr>
-              <a:t>();</a:t>
-            </a:r>
           </a:p>
           <a:p>
             <a:r>
@@ -20596,17 +20850,44 @@
                 <a:latin typeface="Consolas" panose="020B0609020204030204" pitchFamily="49" charset="0"/>
                 <a:cs typeface="Consolas" panose="020B0609020204030204" pitchFamily="49" charset="0"/>
               </a:rPr>
-              <a:t>Вече има админ, не може да регистрирате втори.", "Грешка",</a:t>
-            </a:r>
-          </a:p>
-          <a:p>
+              <a:t>Вече има админ, не може да регистрирате втори.",               	</a:t>
+            </a:r>
             <a:r>
               <a:rPr lang="bg-BG" b="1" dirty="0">
-                <a:effectLst/>
-                <a:latin typeface="Consolas" panose="020B0609020204030204" pitchFamily="49" charset="0"/>
-                <a:cs typeface="Consolas" panose="020B0609020204030204" pitchFamily="49" charset="0"/>
-              </a:rPr>
-              <a:t>             </a:t>
+                <a:latin typeface="Consolas" panose="020B0609020204030204" pitchFamily="49" charset="0"/>
+                <a:cs typeface="Consolas" panose="020B0609020204030204" pitchFamily="49" charset="0"/>
+              </a:rPr>
+              <a:t>              </a:t>
+            </a:r>
+            <a:r>
+              <a:rPr lang="bg-BG" b="1" dirty="0">
+                <a:effectLst/>
+                <a:latin typeface="Consolas" panose="020B0609020204030204" pitchFamily="49" charset="0"/>
+                <a:cs typeface="Consolas" panose="020B0609020204030204" pitchFamily="49" charset="0"/>
+              </a:rPr>
+              <a:t>"</a:t>
+            </a:r>
+            <a:r>
+              <a:rPr lang="bg-BG" b="1" dirty="0">
+                <a:latin typeface="Consolas" panose="020B0609020204030204" pitchFamily="49" charset="0"/>
+                <a:cs typeface="Consolas" panose="020B0609020204030204" pitchFamily="49" charset="0"/>
+              </a:rPr>
+              <a:t>Регистриране на админ</a:t>
+            </a:r>
+            <a:r>
+              <a:rPr lang="bg-BG" b="1" dirty="0">
+                <a:effectLst/>
+                <a:latin typeface="Consolas" panose="020B0609020204030204" pitchFamily="49" charset="0"/>
+                <a:cs typeface="Consolas" panose="020B0609020204030204" pitchFamily="49" charset="0"/>
+              </a:rPr>
+              <a:t>",</a:t>
+            </a:r>
+            <a:r>
+              <a:rPr lang="bg-BG" b="1" dirty="0">
+                <a:latin typeface="Consolas" panose="020B0609020204030204" pitchFamily="49" charset="0"/>
+                <a:cs typeface="Consolas" panose="020B0609020204030204" pitchFamily="49" charset="0"/>
+              </a:rPr>
+              <a:t> </a:t>
             </a:r>
             <a:r>
               <a:rPr lang="en-GB" b="1" dirty="0">

--- a/Courses/Software-Sciences/Module-4-Information-Systems-New/12-Implementation-of-Information-System/12.1-Implementation-of-Information-System.pptx
+++ b/Courses/Software-Sciences/Module-4-Information-Systems-New/12-Implementation-of-Information-System/12.1-Implementation-of-Information-System.pptx
@@ -334,7 +334,7 @@
           <a:p>
             <a:fld id="{4E087215-0C8F-4762-A664-737A353EC9A4}" type="datetimeFigureOut">
               <a:rPr lang="bg-BG" smtClean="0"/>
-              <a:t>12.01.25 г.</a:t>
+              <a:t>13.01.25 г.</a:t>
             </a:fld>
             <a:endParaRPr lang="bg-BG"/>
           </a:p>
@@ -530,7 +530,7 @@
           <a:p>
             <a:fld id="{72D84649-876A-46C9-8472-14CB09C070D8}" type="datetimeFigureOut">
               <a:rPr lang="en-US" smtClean="0"/>
-              <a:t>1/12/25</a:t>
+              <a:t>1/13/25</a:t>
             </a:fld>
             <a:endParaRPr lang="en-US"/>
           </a:p>
@@ -20279,14 +20279,13 @@
               </a:ext>
             </a:extLst>
           </a:blip>
-          <a:stretch>
-            <a:fillRect/>
-          </a:stretch>
+          <a:srcRect/>
+          <a:stretch/>
         </p:blipFill>
         <p:spPr>
           <a:xfrm>
-            <a:off x="8526000" y="1359000"/>
-            <a:ext cx="2880000" cy="2821225"/>
+            <a:off x="8526000" y="1367112"/>
+            <a:ext cx="2880000" cy="2805000"/>
           </a:xfrm>
           <a:prstGeom prst="rect">
             <a:avLst/>
@@ -21836,8 +21835,8 @@
         </p:blipFill>
         <p:spPr>
           <a:xfrm>
-            <a:off x="439918" y="1944000"/>
-            <a:ext cx="4068694" cy="3883754"/>
+            <a:off x="480466" y="1944000"/>
+            <a:ext cx="3987597" cy="3883754"/>
           </a:xfrm>
           <a:prstGeom prst="rect">
             <a:avLst/>
